--- a/Report/Group-6 Final Report.pptx
+++ b/Report/Group-6 Final Report.pptx
@@ -14,8 +14,11 @@
     <p:sldId id="258" r:id="rId8"/>
     <p:sldId id="266" r:id="rId9"/>
     <p:sldId id="263" r:id="rId10"/>
-    <p:sldId id="264" r:id="rId11"/>
-    <p:sldId id="259" r:id="rId12"/>
+    <p:sldId id="269" r:id="rId11"/>
+    <p:sldId id="272" r:id="rId12"/>
+    <p:sldId id="273" r:id="rId13"/>
+    <p:sldId id="271" r:id="rId14"/>
+    <p:sldId id="259" r:id="rId15"/>
   </p:sldIdLst>
   <p:sldSz cx="9144000" cy="6858000" type="screen4x3"/>
   <p:notesSz cx="6858000" cy="9144000"/>
@@ -133,6 +136,275 @@
 </p:presentation>
 </file>
 
+<file path=ppt/changesInfos/changesInfo1.xml><?xml version="1.0" encoding="utf-8"?>
+<pc:chgInfo xmlns:a="http://schemas.openxmlformats.org/drawingml/2006/main" xmlns:r="http://schemas.openxmlformats.org/officeDocument/2006/relationships" xmlns:ac="http://schemas.microsoft.com/office/drawing/2013/main/command" xmlns:pc="http://schemas.microsoft.com/office/powerpoint/2013/main/command">
+  <pc:docChgLst>
+    <pc:chgData name="Deepesh Khanna" userId="bde3672c861fd582" providerId="LiveId" clId="{A549962A-44B1-4661-982C-FD74AE459229}"/>
+    <pc:docChg chg="undo redo custSel addSld delSld modSld">
+      <pc:chgData name="Deepesh Khanna" userId="bde3672c861fd582" providerId="LiveId" clId="{A549962A-44B1-4661-982C-FD74AE459229}" dt="2025-05-06T02:44:26.262" v="699" actId="47"/>
+      <pc:docMkLst>
+        <pc:docMk/>
+      </pc:docMkLst>
+      <pc:sldChg chg="addSp delSp modSp mod">
+        <pc:chgData name="Deepesh Khanna" userId="bde3672c861fd582" providerId="LiveId" clId="{A549962A-44B1-4661-982C-FD74AE459229}" dt="2025-05-06T01:58:36.456" v="51" actId="14100"/>
+        <pc:sldMkLst>
+          <pc:docMk/>
+          <pc:sldMk cId="1560433808" sldId="263"/>
+        </pc:sldMkLst>
+        <pc:spChg chg="del">
+          <ac:chgData name="Deepesh Khanna" userId="bde3672c861fd582" providerId="LiveId" clId="{A549962A-44B1-4661-982C-FD74AE459229}" dt="2025-05-06T01:51:03.094" v="0" actId="478"/>
+          <ac:spMkLst>
+            <pc:docMk/>
+            <pc:sldMk cId="1560433808" sldId="263"/>
+            <ac:spMk id="3" creationId="{5991E6C1-BF0C-60AF-127B-ABC18D79A968}"/>
+          </ac:spMkLst>
+        </pc:spChg>
+        <pc:spChg chg="add del mod">
+          <ac:chgData name="Deepesh Khanna" userId="bde3672c861fd582" providerId="LiveId" clId="{A549962A-44B1-4661-982C-FD74AE459229}" dt="2025-05-06T01:51:26.976" v="1" actId="3680"/>
+          <ac:spMkLst>
+            <pc:docMk/>
+            <pc:sldMk cId="1560433808" sldId="263"/>
+            <ac:spMk id="5" creationId="{F3055ABF-4349-A9B6-D0E3-B3E71F4EA7BD}"/>
+          </ac:spMkLst>
+        </pc:spChg>
+        <pc:graphicFrameChg chg="add mod ord modGraphic">
+          <ac:chgData name="Deepesh Khanna" userId="bde3672c861fd582" providerId="LiveId" clId="{A549962A-44B1-4661-982C-FD74AE459229}" dt="2025-05-06T01:58:36.456" v="51" actId="14100"/>
+          <ac:graphicFrameMkLst>
+            <pc:docMk/>
+            <pc:sldMk cId="1560433808" sldId="263"/>
+            <ac:graphicFrameMk id="6" creationId="{8A268EA1-AD19-03B2-0DCF-4243511858D0}"/>
+          </ac:graphicFrameMkLst>
+        </pc:graphicFrameChg>
+        <pc:picChg chg="add del mod">
+          <ac:chgData name="Deepesh Khanna" userId="bde3672c861fd582" providerId="LiveId" clId="{A549962A-44B1-4661-982C-FD74AE459229}" dt="2025-05-06T01:56:49.146" v="11" actId="478"/>
+          <ac:picMkLst>
+            <pc:docMk/>
+            <pc:sldMk cId="1560433808" sldId="263"/>
+            <ac:picMk id="8" creationId="{4CAE373A-62D1-08E5-106A-BCEECD9E945B}"/>
+          </ac:picMkLst>
+        </pc:picChg>
+      </pc:sldChg>
+      <pc:sldChg chg="addSp delSp modSp del mod">
+        <pc:chgData name="Deepesh Khanna" userId="bde3672c861fd582" providerId="LiveId" clId="{A549962A-44B1-4661-982C-FD74AE459229}" dt="2025-05-06T02:44:26.262" v="699" actId="47"/>
+        <pc:sldMkLst>
+          <pc:docMk/>
+          <pc:sldMk cId="222587387" sldId="264"/>
+        </pc:sldMkLst>
+        <pc:spChg chg="mod">
+          <ac:chgData name="Deepesh Khanna" userId="bde3672c861fd582" providerId="LiveId" clId="{A549962A-44B1-4661-982C-FD74AE459229}" dt="2025-05-06T02:09:50.550" v="60" actId="20577"/>
+          <ac:spMkLst>
+            <pc:docMk/>
+            <pc:sldMk cId="222587387" sldId="264"/>
+            <ac:spMk id="2" creationId="{312726E8-FA8F-D51E-8DBA-F644CE4AD00C}"/>
+          </ac:spMkLst>
+        </pc:spChg>
+        <pc:spChg chg="del mod">
+          <ac:chgData name="Deepesh Khanna" userId="bde3672c861fd582" providerId="LiveId" clId="{A549962A-44B1-4661-982C-FD74AE459229}" dt="2025-05-06T02:09:57.088" v="63"/>
+          <ac:spMkLst>
+            <pc:docMk/>
+            <pc:sldMk cId="222587387" sldId="264"/>
+            <ac:spMk id="3" creationId="{25094D0E-3004-9EE4-456F-DAC2C9FE9E87}"/>
+          </ac:spMkLst>
+        </pc:spChg>
+        <pc:spChg chg="add">
+          <ac:chgData name="Deepesh Khanna" userId="bde3672c861fd582" providerId="LiveId" clId="{A549962A-44B1-4661-982C-FD74AE459229}" dt="2025-05-06T02:09:52.763" v="61"/>
+          <ac:spMkLst>
+            <pc:docMk/>
+            <pc:sldMk cId="222587387" sldId="264"/>
+            <ac:spMk id="4" creationId="{1E9C1760-931B-D504-91D5-394815A76666}"/>
+          </ac:spMkLst>
+        </pc:spChg>
+        <pc:spChg chg="add del mod">
+          <ac:chgData name="Deepesh Khanna" userId="bde3672c861fd582" providerId="LiveId" clId="{A549962A-44B1-4661-982C-FD74AE459229}" dt="2025-05-06T02:10:34.103" v="67" actId="478"/>
+          <ac:spMkLst>
+            <pc:docMk/>
+            <pc:sldMk cId="222587387" sldId="264"/>
+            <ac:spMk id="5" creationId="{E350B156-7EF8-2E61-D588-AB224D201874}"/>
+          </ac:spMkLst>
+        </pc:spChg>
+        <pc:spChg chg="add mod">
+          <ac:chgData name="Deepesh Khanna" userId="bde3672c861fd582" providerId="LiveId" clId="{A549962A-44B1-4661-982C-FD74AE459229}" dt="2025-05-06T02:20:39.958" v="203" actId="20577"/>
+          <ac:spMkLst>
+            <pc:docMk/>
+            <pc:sldMk cId="222587387" sldId="264"/>
+            <ac:spMk id="6" creationId="{9E8326F1-6839-A5A0-740C-6E0DFBEC0E9F}"/>
+          </ac:spMkLst>
+        </pc:spChg>
+      </pc:sldChg>
+      <pc:sldChg chg="addSp delSp modSp add mod">
+        <pc:chgData name="Deepesh Khanna" userId="bde3672c861fd582" providerId="LiveId" clId="{A549962A-44B1-4661-982C-FD74AE459229}" dt="2025-05-06T01:57:40.632" v="47" actId="14100"/>
+        <pc:sldMkLst>
+          <pc:docMk/>
+          <pc:sldMk cId="1293490942" sldId="269"/>
+        </pc:sldMkLst>
+        <pc:spChg chg="mod">
+          <ac:chgData name="Deepesh Khanna" userId="bde3672c861fd582" providerId="LiveId" clId="{A549962A-44B1-4661-982C-FD74AE459229}" dt="2025-05-06T01:57:03.775" v="39" actId="20577"/>
+          <ac:spMkLst>
+            <pc:docMk/>
+            <pc:sldMk cId="1293490942" sldId="269"/>
+            <ac:spMk id="2" creationId="{968D227C-6E1A-5A30-8266-50CA532030CD}"/>
+          </ac:spMkLst>
+        </pc:spChg>
+        <pc:spChg chg="add del mod">
+          <ac:chgData name="Deepesh Khanna" userId="bde3672c861fd582" providerId="LiveId" clId="{A549962A-44B1-4661-982C-FD74AE459229}" dt="2025-05-06T01:57:21.109" v="41" actId="931"/>
+          <ac:spMkLst>
+            <pc:docMk/>
+            <pc:sldMk cId="1293490942" sldId="269"/>
+            <ac:spMk id="4" creationId="{FA566DE7-8B8C-6EEF-0549-CB4DD9556E22}"/>
+          </ac:spMkLst>
+        </pc:spChg>
+        <pc:graphicFrameChg chg="del">
+          <ac:chgData name="Deepesh Khanna" userId="bde3672c861fd582" providerId="LiveId" clId="{A549962A-44B1-4661-982C-FD74AE459229}" dt="2025-05-06T01:57:06.219" v="40" actId="478"/>
+          <ac:graphicFrameMkLst>
+            <pc:docMk/>
+            <pc:sldMk cId="1293490942" sldId="269"/>
+            <ac:graphicFrameMk id="6" creationId="{B7AE5884-23B7-BC47-1138-C3CF48DAC02E}"/>
+          </ac:graphicFrameMkLst>
+        </pc:graphicFrameChg>
+        <pc:picChg chg="add mod">
+          <ac:chgData name="Deepesh Khanna" userId="bde3672c861fd582" providerId="LiveId" clId="{A549962A-44B1-4661-982C-FD74AE459229}" dt="2025-05-06T01:57:40.632" v="47" actId="14100"/>
+          <ac:picMkLst>
+            <pc:docMk/>
+            <pc:sldMk cId="1293490942" sldId="269"/>
+            <ac:picMk id="7" creationId="{73B585E7-D11C-B725-0D1C-B7318E12DE26}"/>
+          </ac:picMkLst>
+        </pc:picChg>
+      </pc:sldChg>
+      <pc:sldChg chg="modSp add del mod">
+        <pc:chgData name="Deepesh Khanna" userId="bde3672c861fd582" providerId="LiveId" clId="{A549962A-44B1-4661-982C-FD74AE459229}" dt="2025-05-06T02:24:46.876" v="224" actId="47"/>
+        <pc:sldMkLst>
+          <pc:docMk/>
+          <pc:sldMk cId="736428610" sldId="270"/>
+        </pc:sldMkLst>
+        <pc:spChg chg="mod">
+          <ac:chgData name="Deepesh Khanna" userId="bde3672c861fd582" providerId="LiveId" clId="{A549962A-44B1-4661-982C-FD74AE459229}" dt="2025-05-06T02:15:52.493" v="166" actId="20577"/>
+          <ac:spMkLst>
+            <pc:docMk/>
+            <pc:sldMk cId="736428610" sldId="270"/>
+            <ac:spMk id="3" creationId="{2C6B3E41-FAF7-C463-7AA1-B50AB47F4AA7}"/>
+          </ac:spMkLst>
+        </pc:spChg>
+      </pc:sldChg>
+      <pc:sldChg chg="addSp modSp add mod">
+        <pc:chgData name="Deepesh Khanna" userId="bde3672c861fd582" providerId="LiveId" clId="{A549962A-44B1-4661-982C-FD74AE459229}" dt="2025-05-06T02:39:48.403" v="634"/>
+        <pc:sldMkLst>
+          <pc:docMk/>
+          <pc:sldMk cId="835973187" sldId="271"/>
+        </pc:sldMkLst>
+        <pc:spChg chg="mod">
+          <ac:chgData name="Deepesh Khanna" userId="bde3672c861fd582" providerId="LiveId" clId="{A549962A-44B1-4661-982C-FD74AE459229}" dt="2025-05-06T02:39:48.403" v="634"/>
+          <ac:spMkLst>
+            <pc:docMk/>
+            <pc:sldMk cId="835973187" sldId="271"/>
+            <ac:spMk id="3" creationId="{7209A82C-041B-8F95-5305-1D70CFED40D0}"/>
+          </ac:spMkLst>
+        </pc:spChg>
+        <pc:spChg chg="add">
+          <ac:chgData name="Deepesh Khanna" userId="bde3672c861fd582" providerId="LiveId" clId="{A549962A-44B1-4661-982C-FD74AE459229}" dt="2025-05-06T02:23:17.972" v="204"/>
+          <ac:spMkLst>
+            <pc:docMk/>
+            <pc:sldMk cId="835973187" sldId="271"/>
+            <ac:spMk id="4" creationId="{52A02F92-7BA4-80FD-EE98-0F70070ED918}"/>
+          </ac:spMkLst>
+        </pc:spChg>
+        <pc:spChg chg="add">
+          <ac:chgData name="Deepesh Khanna" userId="bde3672c861fd582" providerId="LiveId" clId="{A549962A-44B1-4661-982C-FD74AE459229}" dt="2025-05-06T02:34:42.759" v="485"/>
+          <ac:spMkLst>
+            <pc:docMk/>
+            <pc:sldMk cId="835973187" sldId="271"/>
+            <ac:spMk id="5" creationId="{38D4D364-025E-F927-C152-49D37D8CAFEF}"/>
+          </ac:spMkLst>
+        </pc:spChg>
+        <pc:spChg chg="add">
+          <ac:chgData name="Deepesh Khanna" userId="bde3672c861fd582" providerId="LiveId" clId="{A549962A-44B1-4661-982C-FD74AE459229}" dt="2025-05-06T02:34:45.846" v="486"/>
+          <ac:spMkLst>
+            <pc:docMk/>
+            <pc:sldMk cId="835973187" sldId="271"/>
+            <ac:spMk id="6" creationId="{8D0FA18D-891B-A486-C7BB-63D35BC30301}"/>
+          </ac:spMkLst>
+        </pc:spChg>
+      </pc:sldChg>
+      <pc:sldChg chg="add del">
+        <pc:chgData name="Deepesh Khanna" userId="bde3672c861fd582" providerId="LiveId" clId="{A549962A-44B1-4661-982C-FD74AE459229}" dt="2025-05-06T02:12:45.268" v="119" actId="47"/>
+        <pc:sldMkLst>
+          <pc:docMk/>
+          <pc:sldMk cId="2629032172" sldId="271"/>
+        </pc:sldMkLst>
+      </pc:sldChg>
+      <pc:sldChg chg="modSp add mod">
+        <pc:chgData name="Deepesh Khanna" userId="bde3672c861fd582" providerId="LiveId" clId="{A549962A-44B1-4661-982C-FD74AE459229}" dt="2025-05-06T02:42:52.511" v="698" actId="255"/>
+        <pc:sldMkLst>
+          <pc:docMk/>
+          <pc:sldMk cId="320220376" sldId="272"/>
+        </pc:sldMkLst>
+        <pc:spChg chg="mod">
+          <ac:chgData name="Deepesh Khanna" userId="bde3672c861fd582" providerId="LiveId" clId="{A549962A-44B1-4661-982C-FD74AE459229}" dt="2025-05-06T02:41:14.349" v="659" actId="20577"/>
+          <ac:spMkLst>
+            <pc:docMk/>
+            <pc:sldMk cId="320220376" sldId="272"/>
+            <ac:spMk id="2" creationId="{47BB11CA-247C-9C98-7C8D-8E3B8A2860FC}"/>
+          </ac:spMkLst>
+        </pc:spChg>
+        <pc:spChg chg="mod">
+          <ac:chgData name="Deepesh Khanna" userId="bde3672c861fd582" providerId="LiveId" clId="{A549962A-44B1-4661-982C-FD74AE459229}" dt="2025-05-06T02:42:52.511" v="698" actId="255"/>
+          <ac:spMkLst>
+            <pc:docMk/>
+            <pc:sldMk cId="320220376" sldId="272"/>
+            <ac:spMk id="6" creationId="{DD167E4E-BF2B-CA00-B25A-901425B8C4DB}"/>
+          </ac:spMkLst>
+        </pc:spChg>
+      </pc:sldChg>
+      <pc:sldChg chg="addSp delSp modSp add del mod">
+        <pc:chgData name="Deepesh Khanna" userId="bde3672c861fd582" providerId="LiveId" clId="{A549962A-44B1-4661-982C-FD74AE459229}" dt="2025-05-06T02:38:19.795" v="614" actId="47"/>
+        <pc:sldMkLst>
+          <pc:docMk/>
+          <pc:sldMk cId="3177749625" sldId="272"/>
+        </pc:sldMkLst>
+        <pc:spChg chg="add del mod">
+          <ac:chgData name="Deepesh Khanna" userId="bde3672c861fd582" providerId="LiveId" clId="{A549962A-44B1-4661-982C-FD74AE459229}" dt="2025-05-06T02:29:40.999" v="439" actId="20577"/>
+          <ac:spMkLst>
+            <pc:docMk/>
+            <pc:sldMk cId="3177749625" sldId="272"/>
+            <ac:spMk id="3" creationId="{CA4F1468-F5A9-D1AB-0473-6044B61D00FD}"/>
+          </ac:spMkLst>
+        </pc:spChg>
+        <pc:spChg chg="add mod">
+          <ac:chgData name="Deepesh Khanna" userId="bde3672c861fd582" providerId="LiveId" clId="{A549962A-44B1-4661-982C-FD74AE459229}" dt="2025-05-06T02:23:34.558" v="214"/>
+          <ac:spMkLst>
+            <pc:docMk/>
+            <pc:sldMk cId="3177749625" sldId="272"/>
+            <ac:spMk id="4" creationId="{5C002B5F-4412-4E14-546F-3E9E8380DF6E}"/>
+          </ac:spMkLst>
+        </pc:spChg>
+      </pc:sldChg>
+      <pc:sldChg chg="modSp add mod">
+        <pc:chgData name="Deepesh Khanna" userId="bde3672c861fd582" providerId="LiveId" clId="{A549962A-44B1-4661-982C-FD74AE459229}" dt="2025-05-06T02:42:38.494" v="694" actId="27636"/>
+        <pc:sldMkLst>
+          <pc:docMk/>
+          <pc:sldMk cId="4116433610" sldId="273"/>
+        </pc:sldMkLst>
+        <pc:spChg chg="mod">
+          <ac:chgData name="Deepesh Khanna" userId="bde3672c861fd582" providerId="LiveId" clId="{A549962A-44B1-4661-982C-FD74AE459229}" dt="2025-05-06T02:42:15.753" v="688" actId="20577"/>
+          <ac:spMkLst>
+            <pc:docMk/>
+            <pc:sldMk cId="4116433610" sldId="273"/>
+            <ac:spMk id="2" creationId="{82E9EFF9-F68F-6886-D925-8825D63C339D}"/>
+          </ac:spMkLst>
+        </pc:spChg>
+        <pc:spChg chg="mod">
+          <ac:chgData name="Deepesh Khanna" userId="bde3672c861fd582" providerId="LiveId" clId="{A549962A-44B1-4661-982C-FD74AE459229}" dt="2025-05-06T02:42:38.494" v="694" actId="27636"/>
+          <ac:spMkLst>
+            <pc:docMk/>
+            <pc:sldMk cId="4116433610" sldId="273"/>
+            <ac:spMk id="6" creationId="{A8F8F882-DDDC-632B-750F-5C77C03522AC}"/>
+          </ac:spMkLst>
+        </pc:spChg>
+      </pc:sldChg>
+    </pc:docChg>
+  </pc:docChgLst>
+</pc:chgInfo>
+</file>
+
 <file path=ppt/slideLayouts/slideLayout1.xml><?xml version="1.0" encoding="utf-8"?>
 <p:sldLayout xmlns:a="http://schemas.openxmlformats.org/drawingml/2006/main" xmlns:r="http://schemas.openxmlformats.org/officeDocument/2006/relationships" xmlns:p="http://schemas.openxmlformats.org/presentationml/2006/main" showMasterSp="0" type="title" preserve="1">
   <p:cSld name="Title Slide">
@@ -359,7 +631,7 @@
           <a:p>
             <a:fld id="{5BCAD085-E8A6-8845-BD4E-CB4CCA059FC4}" type="datetimeFigureOut">
               <a:rPr lang="en-US" smtClean="0"/>
-              <a:t>5/5/25</a:t>
+              <a:t>5/5/2025</a:t>
             </a:fld>
             <a:endParaRPr lang="en-US"/>
           </a:p>
@@ -567,7 +839,7 @@
           <a:p>
             <a:fld id="{5BCAD085-E8A6-8845-BD4E-CB4CCA059FC4}" type="datetimeFigureOut">
               <a:rPr lang="en-US" smtClean="0"/>
-              <a:t>5/5/25</a:t>
+              <a:t>5/5/2025</a:t>
             </a:fld>
             <a:endParaRPr lang="en-US"/>
           </a:p>
@@ -823,7 +1095,7 @@
           <a:p>
             <a:fld id="{5BCAD085-E8A6-8845-BD4E-CB4CCA059FC4}" type="datetimeFigureOut">
               <a:rPr lang="en-US" smtClean="0"/>
-              <a:t>5/5/25</a:t>
+              <a:t>5/5/2025</a:t>
             </a:fld>
             <a:endParaRPr lang="en-US"/>
           </a:p>
@@ -993,7 +1265,7 @@
           <a:p>
             <a:fld id="{5BCAD085-E8A6-8845-BD4E-CB4CCA059FC4}" type="datetimeFigureOut">
               <a:rPr lang="en-US" smtClean="0"/>
-              <a:t>5/5/25</a:t>
+              <a:t>5/5/2025</a:t>
             </a:fld>
             <a:endParaRPr lang="en-US"/>
           </a:p>
@@ -1336,7 +1608,7 @@
           <a:p>
             <a:fld id="{5BCAD085-E8A6-8845-BD4E-CB4CCA059FC4}" type="datetimeFigureOut">
               <a:rPr lang="en-US" smtClean="0"/>
-              <a:t>5/5/25</a:t>
+              <a:t>5/5/2025</a:t>
             </a:fld>
             <a:endParaRPr lang="en-US"/>
           </a:p>
@@ -1611,7 +1883,7 @@
           <a:p>
             <a:fld id="{5BCAD085-E8A6-8845-BD4E-CB4CCA059FC4}" type="datetimeFigureOut">
               <a:rPr lang="en-US" smtClean="0"/>
-              <a:t>5/5/25</a:t>
+              <a:t>5/5/2025</a:t>
             </a:fld>
             <a:endParaRPr lang="en-US"/>
           </a:p>
@@ -1990,7 +2262,7 @@
           <a:p>
             <a:fld id="{5BCAD085-E8A6-8845-BD4E-CB4CCA059FC4}" type="datetimeFigureOut">
               <a:rPr lang="en-US" smtClean="0"/>
-              <a:t>5/5/25</a:t>
+              <a:t>5/5/2025</a:t>
             </a:fld>
             <a:endParaRPr lang="en-US"/>
           </a:p>
@@ -2108,7 +2380,7 @@
           <a:p>
             <a:fld id="{5BCAD085-E8A6-8845-BD4E-CB4CCA059FC4}" type="datetimeFigureOut">
               <a:rPr lang="en-US" smtClean="0"/>
-              <a:t>5/5/25</a:t>
+              <a:t>5/5/2025</a:t>
             </a:fld>
             <a:endParaRPr lang="en-US"/>
           </a:p>
@@ -2279,7 +2551,7 @@
           <a:p>
             <a:fld id="{5BCAD085-E8A6-8845-BD4E-CB4CCA059FC4}" type="datetimeFigureOut">
               <a:rPr lang="en-US" smtClean="0"/>
-              <a:t>5/5/25</a:t>
+              <a:t>5/5/2025</a:t>
             </a:fld>
             <a:endParaRPr lang="en-US"/>
           </a:p>
@@ -2633,7 +2905,7 @@
           <a:p>
             <a:fld id="{5BCAD085-E8A6-8845-BD4E-CB4CCA059FC4}" type="datetimeFigureOut">
               <a:rPr lang="en-US" smtClean="0"/>
-              <a:t>5/5/25</a:t>
+              <a:t>5/5/2025</a:t>
             </a:fld>
             <a:endParaRPr lang="en-US"/>
           </a:p>
@@ -3015,7 +3287,7 @@
           <a:p>
             <a:fld id="{5BCAD085-E8A6-8845-BD4E-CB4CCA059FC4}" type="datetimeFigureOut">
               <a:rPr lang="en-US" smtClean="0"/>
-              <a:t>5/5/25</a:t>
+              <a:t>5/5/2025</a:t>
             </a:fld>
             <a:endParaRPr lang="en-US"/>
           </a:p>
@@ -3302,7 +3574,7 @@
           <a:p>
             <a:fld id="{5BCAD085-E8A6-8845-BD4E-CB4CCA059FC4}" type="datetimeFigureOut">
               <a:rPr lang="en-US" smtClean="0"/>
-              <a:t>5/5/25</a:t>
+              <a:t>5/5/2025</a:t>
             </a:fld>
             <a:endParaRPr lang="en-US"/>
           </a:p>
@@ -3919,7 +4191,7 @@
         <p:cNvPr id="1" name="">
           <a:extLst>
             <a:ext uri="{FF2B5EF4-FFF2-40B4-BE49-F238E27FC236}">
-              <a16:creationId xmlns:a16="http://schemas.microsoft.com/office/drawing/2014/main" id="{50D7957A-201D-83FB-4136-52B9142A35F4}"/>
+              <a16:creationId xmlns:a16="http://schemas.microsoft.com/office/drawing/2014/main" id="{ED24DC20-8296-E260-BF05-7B1DF7A8FF17}"/>
             </a:ext>
           </a:extLst>
         </p:cNvPr>
@@ -3939,7 +4211,7 @@
           <p:cNvPr id="2" name="Title 1">
             <a:extLst>
               <a:ext uri="{FF2B5EF4-FFF2-40B4-BE49-F238E27FC236}">
-                <a16:creationId xmlns:a16="http://schemas.microsoft.com/office/drawing/2014/main" id="{312726E8-FA8F-D51E-8DBA-F644CE4AD00C}"/>
+                <a16:creationId xmlns:a16="http://schemas.microsoft.com/office/drawing/2014/main" id="{968D227C-6E1A-5A30-8266-50CA532030CD}"/>
               </a:ext>
             </a:extLst>
           </p:cNvPr>
@@ -3957,55 +4229,45 @@
           <a:p>
             <a:r>
               <a:rPr lang="en-US" dirty="0"/>
-              <a:t>Conclusion</a:t>
+              <a:t>Performance Comparison Plot</a:t>
             </a:r>
             <a:endParaRPr dirty="0"/>
           </a:p>
         </p:txBody>
       </p:sp>
-      <p:sp>
-        <p:nvSpPr>
-          <p:cNvPr id="3" name="Content Placeholder 2">
+      <p:pic>
+        <p:nvPicPr>
+          <p:cNvPr id="7" name="Content Placeholder 6">
             <a:extLst>
               <a:ext uri="{FF2B5EF4-FFF2-40B4-BE49-F238E27FC236}">
-                <a16:creationId xmlns:a16="http://schemas.microsoft.com/office/drawing/2014/main" id="{25094D0E-3004-9EE4-456F-DAC2C9FE9E87}"/>
+                <a16:creationId xmlns:a16="http://schemas.microsoft.com/office/drawing/2014/main" id="{73B585E7-D11C-B725-0D1C-B7318E12DE26}"/>
               </a:ext>
             </a:extLst>
           </p:cNvPr>
-          <p:cNvSpPr>
-            <a:spLocks noGrp="1"/>
-          </p:cNvSpPr>
+          <p:cNvPicPr>
+            <a:picLocks noGrp="1" noChangeAspect="1"/>
+          </p:cNvPicPr>
           <p:nvPr>
             <p:ph idx="1"/>
           </p:nvPr>
-        </p:nvSpPr>
-        <p:spPr/>
-        <p:txBody>
-          <a:bodyPr>
-            <a:normAutofit/>
-          </a:bodyPr>
-          <a:lstStyle/>
-          <a:p>
-            <a:pPr>
-              <a:defRPr sz="1800">
-                <a:solidFill>
-                  <a:srgbClr val="000000"/>
-                </a:solidFill>
-                <a:latin typeface="Calibri"/>
-              </a:defRPr>
-            </a:pPr>
-            <a:r>
-              <a:rPr lang="en-US" b="1" dirty="0"/>
-              <a:t>TBD</a:t>
-            </a:r>
-            <a:endParaRPr dirty="0"/>
-          </a:p>
-        </p:txBody>
-      </p:sp>
+        </p:nvPicPr>
+        <p:blipFill>
+          <a:blip r:embed="rId2"/>
+          <a:stretch>
+            <a:fillRect/>
+          </a:stretch>
+        </p:blipFill>
+        <p:spPr>
+          <a:xfrm>
+            <a:off x="1418096" y="1846263"/>
+            <a:ext cx="5928102" cy="4391805"/>
+          </a:xfrm>
+        </p:spPr>
+      </p:pic>
     </p:spTree>
     <p:extLst>
       <p:ext uri="{BB962C8B-B14F-4D97-AF65-F5344CB8AC3E}">
-        <p14:creationId xmlns:p14="http://schemas.microsoft.com/office/powerpoint/2010/main" val="222587387"/>
+        <p14:creationId xmlns:p14="http://schemas.microsoft.com/office/powerpoint/2010/main" val="1293490942"/>
       </p:ext>
     </p:extLst>
   </p:cSld>
@@ -4016,6 +4278,1010 @@
 </file>
 
 <file path=ppt/slides/slide11.xml><?xml version="1.0" encoding="utf-8"?>
+<p:sld xmlns:a="http://schemas.openxmlformats.org/drawingml/2006/main" xmlns:r="http://schemas.openxmlformats.org/officeDocument/2006/relationships" xmlns:p="http://schemas.openxmlformats.org/presentationml/2006/main">
+  <p:cSld>
+    <p:spTree>
+      <p:nvGrpSpPr>
+        <p:cNvPr id="1" name="">
+          <a:extLst>
+            <a:ext uri="{FF2B5EF4-FFF2-40B4-BE49-F238E27FC236}">
+              <a16:creationId xmlns:a16="http://schemas.microsoft.com/office/drawing/2014/main" id="{A5AB9845-7BDB-DB49-228C-5043CB836974}"/>
+            </a:ext>
+          </a:extLst>
+        </p:cNvPr>
+        <p:cNvGrpSpPr/>
+        <p:nvPr/>
+      </p:nvGrpSpPr>
+      <p:grpSpPr>
+        <a:xfrm>
+          <a:off x="0" y="0"/>
+          <a:ext cx="0" cy="0"/>
+          <a:chOff x="0" y="0"/>
+          <a:chExt cx="0" cy="0"/>
+        </a:xfrm>
+      </p:grpSpPr>
+      <p:sp>
+        <p:nvSpPr>
+          <p:cNvPr id="2" name="Title 1">
+            <a:extLst>
+              <a:ext uri="{FF2B5EF4-FFF2-40B4-BE49-F238E27FC236}">
+                <a16:creationId xmlns:a16="http://schemas.microsoft.com/office/drawing/2014/main" id="{47BB11CA-247C-9C98-7C8D-8E3B8A2860FC}"/>
+              </a:ext>
+            </a:extLst>
+          </p:cNvPr>
+          <p:cNvSpPr>
+            <a:spLocks noGrp="1"/>
+          </p:cNvSpPr>
+          <p:nvPr>
+            <p:ph type="title"/>
+          </p:nvPr>
+        </p:nvSpPr>
+        <p:spPr/>
+        <p:txBody>
+          <a:bodyPr/>
+          <a:lstStyle/>
+          <a:p>
+            <a:r>
+              <a:rPr lang="en-US" dirty="0"/>
+              <a:t>Analysis – Speed &amp; Throughput</a:t>
+            </a:r>
+            <a:endParaRPr dirty="0"/>
+          </a:p>
+        </p:txBody>
+      </p:sp>
+      <p:sp>
+        <p:nvSpPr>
+          <p:cNvPr id="6" name="Content Placeholder 5">
+            <a:extLst>
+              <a:ext uri="{FF2B5EF4-FFF2-40B4-BE49-F238E27FC236}">
+                <a16:creationId xmlns:a16="http://schemas.microsoft.com/office/drawing/2014/main" id="{DD167E4E-BF2B-CA00-B25A-901425B8C4DB}"/>
+              </a:ext>
+            </a:extLst>
+          </p:cNvPr>
+          <p:cNvSpPr>
+            <a:spLocks noGrp="1"/>
+          </p:cNvSpPr>
+          <p:nvPr>
+            <p:ph idx="1"/>
+          </p:nvPr>
+        </p:nvSpPr>
+        <p:spPr/>
+        <p:txBody>
+          <a:bodyPr>
+            <a:normAutofit fontScale="92500" lnSpcReduction="20000"/>
+          </a:bodyPr>
+          <a:lstStyle/>
+          <a:p>
+            <a:pPr>
+              <a:buNone/>
+            </a:pPr>
+            <a:r>
+              <a:rPr lang="en-US" b="1" dirty="0"/>
+              <a:t>Average Epoch Time (Lower is Better):</a:t>
+            </a:r>
+            <a:endParaRPr lang="en-US" dirty="0"/>
+          </a:p>
+          <a:p>
+            <a:pPr lvl="1">
+              <a:buFont typeface="Arial" panose="020B0604020202020204" pitchFamily="34" charset="0"/>
+              <a:buChar char="•"/>
+            </a:pPr>
+            <a:r>
+              <a:rPr lang="en-US" b="1" dirty="0"/>
+              <a:t>GPU Platforms:</a:t>
+            </a:r>
+            <a:r>
+              <a:rPr lang="en-US" dirty="0"/>
+              <a:t> Significantly faster than CPU.</a:t>
+            </a:r>
+          </a:p>
+          <a:p>
+            <a:pPr marL="925830" lvl="2" indent="-285750">
+              <a:buFont typeface="Arial" panose="020B0604020202020204" pitchFamily="34" charset="0"/>
+              <a:buChar char="•"/>
+            </a:pPr>
+            <a:r>
+              <a:rPr lang="en-US" dirty="0" err="1"/>
+              <a:t>Numba</a:t>
+            </a:r>
+            <a:r>
+              <a:rPr lang="en-US" dirty="0"/>
+              <a:t> CUDA: </a:t>
+            </a:r>
+            <a:r>
+              <a:rPr lang="en-US" b="1" dirty="0"/>
+              <a:t>0.93s</a:t>
+            </a:r>
+            <a:r>
+              <a:rPr lang="en-US" dirty="0"/>
+              <a:t> (Fastest)</a:t>
+            </a:r>
+          </a:p>
+          <a:p>
+            <a:pPr marL="925830" lvl="2" indent="-285750">
+              <a:buFont typeface="Arial" panose="020B0604020202020204" pitchFamily="34" charset="0"/>
+              <a:buChar char="•"/>
+            </a:pPr>
+            <a:r>
+              <a:rPr lang="en-US" dirty="0" err="1"/>
+              <a:t>PyTorch</a:t>
+            </a:r>
+            <a:r>
+              <a:rPr lang="en-US" dirty="0"/>
+              <a:t> CUDA: 8.72s</a:t>
+            </a:r>
+          </a:p>
+          <a:p>
+            <a:pPr marL="925830" lvl="2" indent="-285750">
+              <a:buFont typeface="Arial" panose="020B0604020202020204" pitchFamily="34" charset="0"/>
+              <a:buChar char="•"/>
+            </a:pPr>
+            <a:r>
+              <a:rPr lang="en-US" dirty="0" err="1"/>
+              <a:t>PyTorch</a:t>
+            </a:r>
+            <a:r>
+              <a:rPr lang="en-US" dirty="0"/>
+              <a:t> MPS: 9.05s</a:t>
+            </a:r>
+          </a:p>
+          <a:p>
+            <a:pPr lvl="1">
+              <a:buFont typeface="Arial" panose="020B0604020202020204" pitchFamily="34" charset="0"/>
+              <a:buChar char="•"/>
+            </a:pPr>
+            <a:r>
+              <a:rPr lang="en-US" b="1" dirty="0"/>
+              <a:t>CPU Platforms:</a:t>
+            </a:r>
+            <a:r>
+              <a:rPr lang="en-US" dirty="0"/>
+              <a:t> Considerably slower.</a:t>
+            </a:r>
+          </a:p>
+          <a:p>
+            <a:pPr marL="925830" lvl="2" indent="-285750">
+              <a:buFont typeface="Arial" panose="020B0604020202020204" pitchFamily="34" charset="0"/>
+              <a:buChar char="•"/>
+            </a:pPr>
+            <a:r>
+              <a:rPr lang="en-US" dirty="0" err="1"/>
+              <a:t>Numba</a:t>
+            </a:r>
+            <a:r>
+              <a:rPr lang="en-US" dirty="0"/>
+              <a:t> CPU: </a:t>
+            </a:r>
+            <a:r>
+              <a:rPr lang="en-US" b="1" dirty="0"/>
+              <a:t>2.09s</a:t>
+            </a:r>
+            <a:endParaRPr lang="en-US" dirty="0"/>
+          </a:p>
+          <a:p>
+            <a:pPr marL="925830" lvl="2" indent="-285750">
+              <a:buFont typeface="Arial" panose="020B0604020202020204" pitchFamily="34" charset="0"/>
+              <a:buChar char="•"/>
+            </a:pPr>
+            <a:r>
+              <a:rPr lang="en-US" dirty="0" err="1"/>
+              <a:t>PyTorch</a:t>
+            </a:r>
+            <a:r>
+              <a:rPr lang="en-US" dirty="0"/>
+              <a:t> CPU: 11.27s (Slowest)</a:t>
+            </a:r>
+          </a:p>
+          <a:p>
+            <a:pPr>
+              <a:buNone/>
+            </a:pPr>
+            <a:r>
+              <a:rPr lang="en-US" b="1" dirty="0"/>
+              <a:t>Average Throughput (Higher is Better):</a:t>
+            </a:r>
+            <a:endParaRPr lang="en-US" dirty="0"/>
+          </a:p>
+          <a:p>
+            <a:pPr lvl="1">
+              <a:buFont typeface="Arial" panose="020B0604020202020204" pitchFamily="34" charset="0"/>
+              <a:buChar char="•"/>
+            </a:pPr>
+            <a:r>
+              <a:rPr lang="en-US" b="1" dirty="0"/>
+              <a:t>GPU Platforms:</a:t>
+            </a:r>
+            <a:r>
+              <a:rPr lang="en-US" dirty="0"/>
+              <a:t> Process data much faster.</a:t>
+            </a:r>
+          </a:p>
+          <a:p>
+            <a:pPr marL="925830" lvl="2" indent="-285750">
+              <a:buFont typeface="Arial" panose="020B0604020202020204" pitchFamily="34" charset="0"/>
+              <a:buChar char="•"/>
+            </a:pPr>
+            <a:r>
+              <a:rPr lang="en-US" dirty="0" err="1"/>
+              <a:t>Numba</a:t>
+            </a:r>
+            <a:r>
+              <a:rPr lang="en-US" dirty="0"/>
+              <a:t> CUDA: </a:t>
+            </a:r>
+            <a:r>
+              <a:rPr lang="en-US" b="1" dirty="0"/>
+              <a:t>~71,800 samples/s</a:t>
+            </a:r>
+            <a:r>
+              <a:rPr lang="en-US" dirty="0"/>
+              <a:t> (Highest)</a:t>
+            </a:r>
+          </a:p>
+          <a:p>
+            <a:pPr marL="925830" lvl="2" indent="-285750">
+              <a:buFont typeface="Arial" panose="020B0604020202020204" pitchFamily="34" charset="0"/>
+              <a:buChar char="•"/>
+            </a:pPr>
+            <a:r>
+              <a:rPr lang="en-US" dirty="0" err="1"/>
+              <a:t>PyTorch</a:t>
+            </a:r>
+            <a:r>
+              <a:rPr lang="en-US" dirty="0"/>
+              <a:t> CUDA: ~6,900 samples/s</a:t>
+            </a:r>
+          </a:p>
+          <a:p>
+            <a:pPr marL="925830" lvl="2" indent="-285750">
+              <a:buFont typeface="Arial" panose="020B0604020202020204" pitchFamily="34" charset="0"/>
+              <a:buChar char="•"/>
+            </a:pPr>
+            <a:r>
+              <a:rPr lang="en-US" dirty="0" err="1"/>
+              <a:t>PyTorch</a:t>
+            </a:r>
+            <a:r>
+              <a:rPr lang="en-US" dirty="0"/>
+              <a:t> MPS: ~6,600 samples/s</a:t>
+            </a:r>
+          </a:p>
+          <a:p>
+            <a:pPr lvl="1">
+              <a:buFont typeface="Arial" panose="020B0604020202020204" pitchFamily="34" charset="0"/>
+              <a:buChar char="•"/>
+            </a:pPr>
+            <a:r>
+              <a:rPr lang="en-US" b="1" dirty="0"/>
+              <a:t>CPU Platforms:</a:t>
+            </a:r>
+            <a:r>
+              <a:rPr lang="en-US" dirty="0"/>
+              <a:t> Lower processing rate.</a:t>
+            </a:r>
+          </a:p>
+          <a:p>
+            <a:pPr marL="925830" lvl="2" indent="-285750">
+              <a:buFont typeface="Arial" panose="020B0604020202020204" pitchFamily="34" charset="0"/>
+              <a:buChar char="•"/>
+            </a:pPr>
+            <a:r>
+              <a:rPr lang="en-US" dirty="0" err="1"/>
+              <a:t>Numba</a:t>
+            </a:r>
+            <a:r>
+              <a:rPr lang="en-US" dirty="0"/>
+              <a:t> CPU: </a:t>
+            </a:r>
+            <a:r>
+              <a:rPr lang="en-US" b="1" dirty="0"/>
+              <a:t>~30,500 samples/s</a:t>
+            </a:r>
+            <a:endParaRPr lang="en-US" dirty="0"/>
+          </a:p>
+          <a:p>
+            <a:pPr marL="925830" lvl="2" indent="-285750">
+              <a:buFont typeface="Arial" panose="020B0604020202020204" pitchFamily="34" charset="0"/>
+              <a:buChar char="•"/>
+            </a:pPr>
+            <a:r>
+              <a:rPr lang="en-US" dirty="0" err="1"/>
+              <a:t>PyTorch</a:t>
+            </a:r>
+            <a:r>
+              <a:rPr lang="en-US" dirty="0"/>
+              <a:t> CPU: ~5,300 samples/s (Lowest)</a:t>
+            </a:r>
+          </a:p>
+        </p:txBody>
+      </p:sp>
+    </p:spTree>
+    <p:extLst>
+      <p:ext uri="{BB962C8B-B14F-4D97-AF65-F5344CB8AC3E}">
+        <p14:creationId xmlns:p14="http://schemas.microsoft.com/office/powerpoint/2010/main" val="320220376"/>
+      </p:ext>
+    </p:extLst>
+  </p:cSld>
+  <p:clrMapOvr>
+    <a:masterClrMapping/>
+  </p:clrMapOvr>
+</p:sld>
+</file>
+
+<file path=ppt/slides/slide12.xml><?xml version="1.0" encoding="utf-8"?>
+<p:sld xmlns:a="http://schemas.openxmlformats.org/drawingml/2006/main" xmlns:r="http://schemas.openxmlformats.org/officeDocument/2006/relationships" xmlns:p="http://schemas.openxmlformats.org/presentationml/2006/main">
+  <p:cSld>
+    <p:spTree>
+      <p:nvGrpSpPr>
+        <p:cNvPr id="1" name="">
+          <a:extLst>
+            <a:ext uri="{FF2B5EF4-FFF2-40B4-BE49-F238E27FC236}">
+              <a16:creationId xmlns:a16="http://schemas.microsoft.com/office/drawing/2014/main" id="{38091CF8-D1E2-04DB-9511-CF36F0D555A8}"/>
+            </a:ext>
+          </a:extLst>
+        </p:cNvPr>
+        <p:cNvGrpSpPr/>
+        <p:nvPr/>
+      </p:nvGrpSpPr>
+      <p:grpSpPr>
+        <a:xfrm>
+          <a:off x="0" y="0"/>
+          <a:ext cx="0" cy="0"/>
+          <a:chOff x="0" y="0"/>
+          <a:chExt cx="0" cy="0"/>
+        </a:xfrm>
+      </p:grpSpPr>
+      <p:sp>
+        <p:nvSpPr>
+          <p:cNvPr id="2" name="Title 1">
+            <a:extLst>
+              <a:ext uri="{FF2B5EF4-FFF2-40B4-BE49-F238E27FC236}">
+                <a16:creationId xmlns:a16="http://schemas.microsoft.com/office/drawing/2014/main" id="{82E9EFF9-F68F-6886-D925-8825D63C339D}"/>
+              </a:ext>
+            </a:extLst>
+          </p:cNvPr>
+          <p:cNvSpPr>
+            <a:spLocks noGrp="1"/>
+          </p:cNvSpPr>
+          <p:nvPr>
+            <p:ph type="title"/>
+          </p:nvPr>
+        </p:nvSpPr>
+        <p:spPr/>
+        <p:txBody>
+          <a:bodyPr/>
+          <a:lstStyle/>
+          <a:p>
+            <a:r>
+              <a:rPr lang="en-US" dirty="0"/>
+              <a:t>Analysis – Accuracy &amp; Resources</a:t>
+            </a:r>
+            <a:endParaRPr dirty="0"/>
+          </a:p>
+        </p:txBody>
+      </p:sp>
+      <p:sp>
+        <p:nvSpPr>
+          <p:cNvPr id="6" name="Content Placeholder 5">
+            <a:extLst>
+              <a:ext uri="{FF2B5EF4-FFF2-40B4-BE49-F238E27FC236}">
+                <a16:creationId xmlns:a16="http://schemas.microsoft.com/office/drawing/2014/main" id="{A8F8F882-DDDC-632B-750F-5C77C03522AC}"/>
+              </a:ext>
+            </a:extLst>
+          </p:cNvPr>
+          <p:cNvSpPr>
+            <a:spLocks noGrp="1"/>
+          </p:cNvSpPr>
+          <p:nvPr>
+            <p:ph idx="1"/>
+          </p:nvPr>
+        </p:nvSpPr>
+        <p:spPr/>
+        <p:txBody>
+          <a:bodyPr>
+            <a:normAutofit lnSpcReduction="10000"/>
+          </a:bodyPr>
+          <a:lstStyle/>
+          <a:p>
+            <a:pPr>
+              <a:buNone/>
+            </a:pPr>
+            <a:r>
+              <a:rPr lang="en-US" b="1" dirty="0"/>
+              <a:t>Maximum Test Accuracy (Similar is Good):</a:t>
+            </a:r>
+            <a:endParaRPr lang="en-US" dirty="0"/>
+          </a:p>
+          <a:p>
+            <a:pPr lvl="1">
+              <a:buFont typeface="Arial" panose="020B0604020202020204" pitchFamily="34" charset="0"/>
+              <a:buChar char="•"/>
+            </a:pPr>
+            <a:r>
+              <a:rPr lang="en-US" dirty="0"/>
+              <a:t>All platforms achieved high accuracy: </a:t>
+            </a:r>
+            <a:r>
+              <a:rPr lang="en-US" b="1" dirty="0"/>
+              <a:t>~97.4% - 98.5%</a:t>
+            </a:r>
+            <a:endParaRPr lang="en-US" dirty="0"/>
+          </a:p>
+          <a:p>
+            <a:pPr lvl="1">
+              <a:buFont typeface="Arial" panose="020B0604020202020204" pitchFamily="34" charset="0"/>
+              <a:buChar char="•"/>
+            </a:pPr>
+            <a:r>
+              <a:rPr lang="en-US" dirty="0" err="1"/>
+              <a:t>PyTorch</a:t>
+            </a:r>
+            <a:r>
+              <a:rPr lang="en-US" dirty="0"/>
+              <a:t> platforms (CPU, CUDA, MPS) reached slightly higher peak: </a:t>
+            </a:r>
+            <a:r>
+              <a:rPr lang="en-US" b="1" dirty="0"/>
+              <a:t>98.5%</a:t>
+            </a:r>
+            <a:endParaRPr lang="en-US" dirty="0"/>
+          </a:p>
+          <a:p>
+            <a:pPr lvl="1">
+              <a:buFont typeface="Arial" panose="020B0604020202020204" pitchFamily="34" charset="0"/>
+              <a:buChar char="•"/>
+            </a:pPr>
+            <a:r>
+              <a:rPr lang="en-US" dirty="0" err="1"/>
+              <a:t>Numba</a:t>
+            </a:r>
+            <a:r>
+              <a:rPr lang="en-US" dirty="0"/>
+              <a:t> platforms (CPU, CUDA) peaked around </a:t>
+            </a:r>
+            <a:r>
+              <a:rPr lang="en-US" b="1" dirty="0"/>
+              <a:t>~97.5%</a:t>
+            </a:r>
+            <a:endParaRPr lang="en-US" dirty="0"/>
+          </a:p>
+          <a:p>
+            <a:pPr lvl="1">
+              <a:buFont typeface="Arial" panose="020B0604020202020204" pitchFamily="34" charset="0"/>
+              <a:buChar char="•"/>
+            </a:pPr>
+            <a:r>
+              <a:rPr lang="en-US" i="1" dirty="0"/>
+              <a:t>Takeaway: Backend choice did not significantly hinder model's learning ability.</a:t>
+            </a:r>
+            <a:endParaRPr lang="en-US" dirty="0"/>
+          </a:p>
+          <a:p>
+            <a:pPr>
+              <a:buNone/>
+            </a:pPr>
+            <a:r>
+              <a:rPr lang="en-US" b="1" dirty="0"/>
+              <a:t>Resource Usage (Snapshot):</a:t>
+            </a:r>
+            <a:endParaRPr lang="en-US" dirty="0"/>
+          </a:p>
+          <a:p>
+            <a:pPr lvl="1">
+              <a:buFont typeface="Arial" panose="020B0604020202020204" pitchFamily="34" charset="0"/>
+              <a:buChar char="•"/>
+            </a:pPr>
+            <a:r>
+              <a:rPr lang="en-US" b="1" dirty="0"/>
+              <a:t>Avg. Process RAM:</a:t>
+            </a:r>
+            <a:endParaRPr lang="en-US" dirty="0"/>
+          </a:p>
+          <a:p>
+            <a:pPr marL="925830" lvl="2" indent="-285750">
+              <a:buFont typeface="Arial" panose="020B0604020202020204" pitchFamily="34" charset="0"/>
+              <a:buChar char="•"/>
+            </a:pPr>
+            <a:r>
+              <a:rPr lang="en-US" dirty="0"/>
+              <a:t>Highest: </a:t>
+            </a:r>
+            <a:r>
+              <a:rPr lang="en-US" dirty="0" err="1"/>
+              <a:t>PyTorch</a:t>
+            </a:r>
+            <a:r>
+              <a:rPr lang="en-US" dirty="0"/>
+              <a:t> CPU (~1612 MB)</a:t>
+            </a:r>
+          </a:p>
+          <a:p>
+            <a:pPr marL="925830" lvl="2" indent="-285750">
+              <a:buFont typeface="Arial" panose="020B0604020202020204" pitchFamily="34" charset="0"/>
+              <a:buChar char="•"/>
+            </a:pPr>
+            <a:r>
+              <a:rPr lang="en-US" dirty="0"/>
+              <a:t>Lowest: </a:t>
+            </a:r>
+            <a:r>
+              <a:rPr lang="en-US" dirty="0" err="1"/>
+              <a:t>Numba</a:t>
+            </a:r>
+            <a:r>
+              <a:rPr lang="en-US" dirty="0"/>
+              <a:t> CUDA / </a:t>
+            </a:r>
+            <a:r>
+              <a:rPr lang="en-US" dirty="0" err="1"/>
+              <a:t>PyTorch</a:t>
+            </a:r>
+            <a:r>
+              <a:rPr lang="en-US" dirty="0"/>
+              <a:t> MPS (~1160-1190 MB)</a:t>
+            </a:r>
+          </a:p>
+          <a:p>
+            <a:pPr marL="925830" lvl="2" indent="-285750">
+              <a:buFont typeface="Arial" panose="020B0604020202020204" pitchFamily="34" charset="0"/>
+              <a:buChar char="•"/>
+            </a:pPr>
+            <a:r>
+              <a:rPr lang="en-US" dirty="0" err="1"/>
+              <a:t>Numba</a:t>
+            </a:r>
+            <a:r>
+              <a:rPr lang="en-US" dirty="0"/>
+              <a:t> CPU / </a:t>
+            </a:r>
+            <a:r>
+              <a:rPr lang="en-US" dirty="0" err="1"/>
+              <a:t>PyTorch</a:t>
+            </a:r>
+            <a:r>
+              <a:rPr lang="en-US" dirty="0"/>
+              <a:t> CUDA: Mid-range (~1330-1360 MB)</a:t>
+            </a:r>
+          </a:p>
+          <a:p>
+            <a:pPr lvl="1">
+              <a:buFont typeface="Arial" panose="020B0604020202020204" pitchFamily="34" charset="0"/>
+              <a:buChar char="•"/>
+            </a:pPr>
+            <a:r>
+              <a:rPr lang="en-US" b="1" dirty="0"/>
+              <a:t>Max GPU VRAM:</a:t>
+            </a:r>
+            <a:endParaRPr lang="en-US" dirty="0"/>
+          </a:p>
+          <a:p>
+            <a:pPr marL="925830" lvl="2" indent="-285750">
+              <a:buFont typeface="Arial" panose="020B0604020202020204" pitchFamily="34" charset="0"/>
+              <a:buChar char="•"/>
+            </a:pPr>
+            <a:r>
+              <a:rPr lang="en-US" dirty="0" err="1"/>
+              <a:t>PyTorch</a:t>
+            </a:r>
+            <a:r>
+              <a:rPr lang="en-US" dirty="0"/>
+              <a:t> CUDA: ~17 MB reported</a:t>
+            </a:r>
+          </a:p>
+          <a:p>
+            <a:pPr marL="925830" lvl="2" indent="-285750">
+              <a:buFont typeface="Arial" panose="020B0604020202020204" pitchFamily="34" charset="0"/>
+              <a:buChar char="•"/>
+            </a:pPr>
+            <a:r>
+              <a:rPr lang="en-US" dirty="0"/>
+              <a:t>Others: N/A or Not Measured via this method</a:t>
+            </a:r>
+          </a:p>
+        </p:txBody>
+      </p:sp>
+    </p:spTree>
+    <p:extLst>
+      <p:ext uri="{BB962C8B-B14F-4D97-AF65-F5344CB8AC3E}">
+        <p14:creationId xmlns:p14="http://schemas.microsoft.com/office/powerpoint/2010/main" val="4116433610"/>
+      </p:ext>
+    </p:extLst>
+  </p:cSld>
+  <p:clrMapOvr>
+    <a:masterClrMapping/>
+  </p:clrMapOvr>
+</p:sld>
+</file>
+
+<file path=ppt/slides/slide13.xml><?xml version="1.0" encoding="utf-8"?>
+<p:sld xmlns:a="http://schemas.openxmlformats.org/drawingml/2006/main" xmlns:r="http://schemas.openxmlformats.org/officeDocument/2006/relationships" xmlns:p="http://schemas.openxmlformats.org/presentationml/2006/main">
+  <p:cSld>
+    <p:spTree>
+      <p:nvGrpSpPr>
+        <p:cNvPr id="1" name="">
+          <a:extLst>
+            <a:ext uri="{FF2B5EF4-FFF2-40B4-BE49-F238E27FC236}">
+              <a16:creationId xmlns:a16="http://schemas.microsoft.com/office/drawing/2014/main" id="{F2187A59-CB7F-15B0-E113-670BF6760F63}"/>
+            </a:ext>
+          </a:extLst>
+        </p:cNvPr>
+        <p:cNvGrpSpPr/>
+        <p:nvPr/>
+      </p:nvGrpSpPr>
+      <p:grpSpPr>
+        <a:xfrm>
+          <a:off x="0" y="0"/>
+          <a:ext cx="0" cy="0"/>
+          <a:chOff x="0" y="0"/>
+          <a:chExt cx="0" cy="0"/>
+        </a:xfrm>
+      </p:grpSpPr>
+      <p:sp>
+        <p:nvSpPr>
+          <p:cNvPr id="2" name="Title 1">
+            <a:extLst>
+              <a:ext uri="{FF2B5EF4-FFF2-40B4-BE49-F238E27FC236}">
+                <a16:creationId xmlns:a16="http://schemas.microsoft.com/office/drawing/2014/main" id="{3EB6C538-77B6-8C69-DEF2-E1B2B9A94DDE}"/>
+              </a:ext>
+            </a:extLst>
+          </p:cNvPr>
+          <p:cNvSpPr>
+            <a:spLocks noGrp="1"/>
+          </p:cNvSpPr>
+          <p:nvPr>
+            <p:ph type="title"/>
+          </p:nvPr>
+        </p:nvSpPr>
+        <p:spPr/>
+        <p:txBody>
+          <a:bodyPr/>
+          <a:lstStyle/>
+          <a:p>
+            <a:r>
+              <a:rPr lang="en-US" dirty="0"/>
+              <a:t>Conclusion</a:t>
+            </a:r>
+            <a:endParaRPr dirty="0"/>
+          </a:p>
+        </p:txBody>
+      </p:sp>
+      <p:sp>
+        <p:nvSpPr>
+          <p:cNvPr id="3" name="Content Placeholder 2">
+            <a:extLst>
+              <a:ext uri="{FF2B5EF4-FFF2-40B4-BE49-F238E27FC236}">
+                <a16:creationId xmlns:a16="http://schemas.microsoft.com/office/drawing/2014/main" id="{7209A82C-041B-8F95-5305-1D70CFED40D0}"/>
+              </a:ext>
+            </a:extLst>
+          </p:cNvPr>
+          <p:cNvSpPr>
+            <a:spLocks noGrp="1"/>
+          </p:cNvSpPr>
+          <p:nvPr>
+            <p:ph idx="1"/>
+          </p:nvPr>
+        </p:nvSpPr>
+        <p:spPr/>
+        <p:txBody>
+          <a:bodyPr>
+            <a:noAutofit/>
+          </a:bodyPr>
+          <a:lstStyle/>
+          <a:p>
+            <a:pPr>
+              <a:lnSpc>
+                <a:spcPct val="100000"/>
+              </a:lnSpc>
+              <a:buFont typeface="Arial" panose="020B0604020202020204" pitchFamily="34" charset="0"/>
+              <a:buChar char="•"/>
+            </a:pPr>
+            <a:r>
+              <a:rPr lang="en-US" sz="1200" b="1" dirty="0"/>
+              <a:t>Performance</a:t>
+            </a:r>
+            <a:r>
+              <a:rPr lang="en-US" sz="1200" dirty="0"/>
+              <a:t>:</a:t>
+            </a:r>
+          </a:p>
+          <a:p>
+            <a:pPr lvl="1">
+              <a:lnSpc>
+                <a:spcPct val="100000"/>
+              </a:lnSpc>
+              <a:buFont typeface="Arial" panose="020B0604020202020204" pitchFamily="34" charset="0"/>
+              <a:buChar char="•"/>
+            </a:pPr>
+            <a:r>
+              <a:rPr lang="en-US" sz="1200" dirty="0"/>
+              <a:t>The </a:t>
+            </a:r>
+            <a:r>
+              <a:rPr lang="en-US" sz="1200" b="1" dirty="0"/>
+              <a:t>GPU CUDA </a:t>
+            </a:r>
+            <a:r>
+              <a:rPr lang="en-US" sz="1200" dirty="0"/>
+              <a:t>implementation clearly outperforms all others in raw speed and throughput. It is ideal for real-time or large-scale training where speed is critical, though it may trade off some accuracy. The NUMBA </a:t>
+            </a:r>
+            <a:r>
+              <a:rPr lang="en-US" sz="1200" b="1" dirty="0"/>
+              <a:t>(or other native libraries like </a:t>
+            </a:r>
+            <a:r>
+              <a:rPr lang="en-US" sz="1200" b="1" dirty="0" err="1"/>
+              <a:t>cuBLAS</a:t>
+            </a:r>
+            <a:r>
+              <a:rPr lang="en-US" sz="1200" b="1" dirty="0"/>
+              <a:t>)</a:t>
+            </a:r>
+            <a:r>
+              <a:rPr lang="en-US" sz="1200" dirty="0"/>
+              <a:t> implementation was better than </a:t>
+            </a:r>
+            <a:r>
+              <a:rPr lang="en-US" sz="1200" dirty="0" err="1"/>
+              <a:t>Pytorch</a:t>
+            </a:r>
+            <a:r>
+              <a:rPr lang="en-US" sz="1200" dirty="0"/>
+              <a:t> potentially due to simplified backpropagation.</a:t>
+            </a:r>
+          </a:p>
+          <a:p>
+            <a:pPr>
+              <a:lnSpc>
+                <a:spcPct val="100000"/>
+              </a:lnSpc>
+              <a:buFont typeface="Arial" panose="020B0604020202020204" pitchFamily="34" charset="0"/>
+              <a:buChar char="•"/>
+            </a:pPr>
+            <a:r>
+              <a:rPr lang="en-US" sz="1200" b="1" dirty="0"/>
+              <a:t>Accuracy</a:t>
+            </a:r>
+            <a:r>
+              <a:rPr lang="en-US" sz="1200" dirty="0"/>
+              <a:t>:</a:t>
+            </a:r>
+          </a:p>
+          <a:p>
+            <a:pPr lvl="1">
+              <a:lnSpc>
+                <a:spcPct val="100000"/>
+              </a:lnSpc>
+              <a:buFont typeface="Arial" panose="020B0604020202020204" pitchFamily="34" charset="0"/>
+              <a:buChar char="•"/>
+            </a:pPr>
+            <a:r>
+              <a:rPr lang="en-US" sz="1200" b="1" dirty="0" err="1"/>
+              <a:t>PyTorch</a:t>
+            </a:r>
+            <a:r>
+              <a:rPr lang="en-US" sz="1200" b="1" dirty="0"/>
+              <a:t>-based platforms</a:t>
+            </a:r>
+            <a:r>
+              <a:rPr lang="en-US" sz="1200" dirty="0"/>
+              <a:t> (especially on CUDA and MPS) consistently achieve the highest accuracy, making them better suited for applications demanding reliable convergence and generalization.</a:t>
+            </a:r>
+          </a:p>
+          <a:p>
+            <a:pPr>
+              <a:lnSpc>
+                <a:spcPct val="100000"/>
+              </a:lnSpc>
+              <a:buFont typeface="Arial" panose="020B0604020202020204" pitchFamily="34" charset="0"/>
+              <a:buChar char="•"/>
+            </a:pPr>
+            <a:r>
+              <a:rPr lang="en-US" sz="1200" b="1" dirty="0"/>
+              <a:t>Framework Impact (CPU)</a:t>
+            </a:r>
+          </a:p>
+          <a:p>
+            <a:pPr lvl="1">
+              <a:lnSpc>
+                <a:spcPct val="100000"/>
+              </a:lnSpc>
+              <a:buFont typeface="Arial" panose="020B0604020202020204" pitchFamily="34" charset="0"/>
+              <a:buChar char="•"/>
+            </a:pPr>
+            <a:r>
+              <a:rPr lang="en-US" sz="1200" dirty="0"/>
+              <a:t>On the CPU, </a:t>
+            </a:r>
+            <a:r>
+              <a:rPr lang="en-US" sz="1200" b="1" i="1" dirty="0" err="1"/>
+              <a:t>Numba</a:t>
+            </a:r>
+            <a:r>
+              <a:rPr lang="en-US" sz="1200" b="1" i="1" dirty="0"/>
+              <a:t> JIT </a:t>
+            </a:r>
+            <a:r>
+              <a:rPr lang="en-US" sz="1200" dirty="0"/>
+              <a:t>provided a substantial speedup compared to the standard </a:t>
+            </a:r>
+            <a:r>
+              <a:rPr lang="en-US" sz="1200" dirty="0" err="1"/>
+              <a:t>PyTorch</a:t>
+            </a:r>
+            <a:r>
+              <a:rPr lang="en-US" sz="1200" dirty="0"/>
+              <a:t> CPU backend. This showcases </a:t>
+            </a:r>
+            <a:r>
+              <a:rPr lang="en-US" sz="1200" dirty="0" err="1"/>
+              <a:t>Numba's</a:t>
+            </a:r>
+            <a:r>
+              <a:rPr lang="en-US" sz="1200" dirty="0"/>
+              <a:t> strength in accelerating numerical Python code on multi-core CPUs through compilation and parallelization, outperforming </a:t>
+            </a:r>
+            <a:r>
+              <a:rPr lang="en-US" sz="1200" dirty="0" err="1"/>
+              <a:t>PyTorch's</a:t>
+            </a:r>
+            <a:r>
+              <a:rPr lang="en-US" sz="1200" dirty="0"/>
+              <a:t> default CPU execution strategy for this specific model and implementation.</a:t>
+            </a:r>
+          </a:p>
+          <a:p>
+            <a:pPr>
+              <a:lnSpc>
+                <a:spcPct val="100000"/>
+              </a:lnSpc>
+              <a:buFont typeface="Arial" panose="020B0604020202020204" pitchFamily="34" charset="0"/>
+              <a:buChar char="•"/>
+            </a:pPr>
+            <a:r>
+              <a:rPr lang="en-US" sz="1200" b="1" dirty="0"/>
+              <a:t>Efficiency</a:t>
+            </a:r>
+            <a:r>
+              <a:rPr lang="en-US" sz="1200" dirty="0"/>
+              <a:t>:</a:t>
+            </a:r>
+          </a:p>
+          <a:p>
+            <a:pPr lvl="1">
+              <a:lnSpc>
+                <a:spcPct val="100000"/>
+              </a:lnSpc>
+              <a:buFont typeface="Arial" panose="020B0604020202020204" pitchFamily="34" charset="0"/>
+              <a:buChar char="•"/>
+            </a:pPr>
+            <a:r>
+              <a:rPr lang="en-US" sz="1200" b="1" dirty="0"/>
+              <a:t>GPU CUDA (NUMBA)</a:t>
+            </a:r>
+            <a:r>
+              <a:rPr lang="en-US" sz="1200" dirty="0"/>
+              <a:t> offers the best speed-to-resource usage ratio, while </a:t>
+            </a:r>
+            <a:r>
+              <a:rPr lang="en-US" sz="1200" b="1" dirty="0"/>
+              <a:t>MPS (</a:t>
+            </a:r>
+            <a:r>
+              <a:rPr lang="en-US" sz="1200" b="1" dirty="0" err="1"/>
+              <a:t>PyTorch</a:t>
+            </a:r>
+            <a:r>
+              <a:rPr lang="en-US" sz="1200" b="1" dirty="0"/>
+              <a:t>)</a:t>
+            </a:r>
+            <a:r>
+              <a:rPr lang="en-US" sz="1200" dirty="0"/>
+              <a:t> offers a great balance between speed, accuracy, and efficient resource utilization—especially useful on Apple devices.</a:t>
+            </a:r>
+          </a:p>
+          <a:p>
+            <a:pPr>
+              <a:lnSpc>
+                <a:spcPct val="100000"/>
+              </a:lnSpc>
+              <a:buFont typeface="Arial" panose="020B0604020202020204" pitchFamily="34" charset="0"/>
+              <a:buChar char="•"/>
+            </a:pPr>
+            <a:r>
+              <a:rPr lang="en-US" sz="1200" b="1" dirty="0"/>
+              <a:t>Recommendation</a:t>
+            </a:r>
+            <a:r>
+              <a:rPr lang="en-US" sz="1200" dirty="0"/>
+              <a:t>:</a:t>
+            </a:r>
+          </a:p>
+          <a:p>
+            <a:pPr lvl="1">
+              <a:lnSpc>
+                <a:spcPct val="100000"/>
+              </a:lnSpc>
+              <a:buFont typeface="Arial" panose="020B0604020202020204" pitchFamily="34" charset="0"/>
+              <a:buChar char="•"/>
+            </a:pPr>
+            <a:r>
+              <a:rPr lang="en-US" sz="1200" dirty="0"/>
+              <a:t>For </a:t>
+            </a:r>
+            <a:r>
+              <a:rPr lang="en-US" sz="1200" b="1" dirty="0"/>
+              <a:t>performance-critical deployments</a:t>
+            </a:r>
+            <a:r>
+              <a:rPr lang="en-US" sz="1200" dirty="0"/>
+              <a:t>, go with </a:t>
+            </a:r>
+            <a:r>
+              <a:rPr lang="en-US" sz="1200" b="1" dirty="0"/>
+              <a:t>GPU CUDA (NUMBA or other native libraries like </a:t>
+            </a:r>
+            <a:r>
+              <a:rPr lang="en-US" sz="1200" b="1" dirty="0" err="1"/>
+              <a:t>cuBLAS</a:t>
+            </a:r>
+            <a:r>
+              <a:rPr lang="en-US" sz="1200" b="1" dirty="0"/>
+              <a:t>)</a:t>
+            </a:r>
+            <a:r>
+              <a:rPr lang="en-US" sz="1200" dirty="0"/>
+              <a:t>.</a:t>
+            </a:r>
+          </a:p>
+          <a:p>
+            <a:pPr lvl="1">
+              <a:lnSpc>
+                <a:spcPct val="100000"/>
+              </a:lnSpc>
+              <a:buFont typeface="Arial" panose="020B0604020202020204" pitchFamily="34" charset="0"/>
+              <a:buChar char="•"/>
+            </a:pPr>
+            <a:r>
+              <a:rPr lang="en-US" sz="1200" dirty="0"/>
+              <a:t>For </a:t>
+            </a:r>
+            <a:r>
+              <a:rPr lang="en-US" sz="1200" b="1" dirty="0"/>
+              <a:t>high-accuracy models and simplified abstraction</a:t>
+            </a:r>
+            <a:r>
+              <a:rPr lang="en-US" sz="1200" dirty="0"/>
+              <a:t>, prefer </a:t>
+            </a:r>
+            <a:r>
+              <a:rPr lang="en-US" sz="1200" b="1" dirty="0" err="1"/>
+              <a:t>PyTorch</a:t>
+            </a:r>
+            <a:r>
+              <a:rPr lang="en-US" sz="1200" b="1" dirty="0"/>
+              <a:t> (CUDA or MPS)</a:t>
+            </a:r>
+            <a:r>
+              <a:rPr lang="en-US" sz="1200" dirty="0"/>
+              <a:t>.</a:t>
+            </a:r>
+          </a:p>
+        </p:txBody>
+      </p:sp>
+    </p:spTree>
+    <p:extLst>
+      <p:ext uri="{BB962C8B-B14F-4D97-AF65-F5344CB8AC3E}">
+        <p14:creationId xmlns:p14="http://schemas.microsoft.com/office/powerpoint/2010/main" val="835973187"/>
+      </p:ext>
+    </p:extLst>
+  </p:cSld>
+  <p:clrMapOvr>
+    <a:masterClrMapping/>
+  </p:clrMapOvr>
+</p:sld>
+</file>
+
+<file path=ppt/slides/slide14.xml><?xml version="1.0" encoding="utf-8"?>
 <p:sld xmlns:a="http://schemas.openxmlformats.org/drawingml/2006/main" xmlns:r="http://schemas.openxmlformats.org/officeDocument/2006/relationships" xmlns:p="http://schemas.openxmlformats.org/presentationml/2006/main">
   <p:cSld>
     <p:spTree>
@@ -6639,45 +7905,1389 @@
           </a:p>
         </p:txBody>
       </p:sp>
-      <p:sp>
-        <p:nvSpPr>
-          <p:cNvPr id="3" name="Content Placeholder 2">
+      <p:graphicFrame>
+        <p:nvGraphicFramePr>
+          <p:cNvPr id="6" name="Content Placeholder 5">
             <a:extLst>
               <a:ext uri="{FF2B5EF4-FFF2-40B4-BE49-F238E27FC236}">
-                <a16:creationId xmlns:a16="http://schemas.microsoft.com/office/drawing/2014/main" id="{5991E6C1-BF0C-60AF-127B-ABC18D79A968}"/>
+                <a16:creationId xmlns:a16="http://schemas.microsoft.com/office/drawing/2014/main" id="{8A268EA1-AD19-03B2-0DCF-4243511858D0}"/>
               </a:ext>
             </a:extLst>
           </p:cNvPr>
-          <p:cNvSpPr>
-            <a:spLocks noGrp="1"/>
-          </p:cNvSpPr>
+          <p:cNvGraphicFramePr>
+            <a:graphicFrameLocks noGrp="1"/>
+          </p:cNvGraphicFramePr>
           <p:nvPr>
             <p:ph idx="1"/>
+            <p:extLst>
+              <p:ext uri="{D42A27DB-BD31-4B8C-83A1-F6EECF244321}">
+                <p14:modId xmlns:p14="http://schemas.microsoft.com/office/powerpoint/2010/main" val="202871002"/>
+              </p:ext>
+            </p:extLst>
           </p:nvPr>
-        </p:nvSpPr>
-        <p:spPr/>
-        <p:txBody>
-          <a:bodyPr>
-            <a:normAutofit/>
-          </a:bodyPr>
-          <a:lstStyle/>
-          <a:p>
-            <a:pPr>
-              <a:defRPr sz="1800">
-                <a:solidFill>
-                  <a:srgbClr val="000000"/>
-                </a:solidFill>
-                <a:latin typeface="Calibri"/>
-              </a:defRPr>
-            </a:pPr>
-            <a:r>
-              <a:rPr lang="en-US" b="1" dirty="0"/>
-              <a:t>TBD</a:t>
-            </a:r>
-            <a:endParaRPr dirty="0"/>
-          </a:p>
-        </p:txBody>
-      </p:sp>
+        </p:nvGraphicFramePr>
+        <p:xfrm>
+          <a:off x="822324" y="1846264"/>
+          <a:ext cx="7544432" cy="2129051"/>
+        </p:xfrm>
+        <a:graphic>
+          <a:graphicData uri="http://schemas.openxmlformats.org/drawingml/2006/table">
+            <a:tbl>
+              <a:tblPr firstRow="1" bandRow="1">
+                <a:tableStyleId>{3B4B98B0-60AC-42C2-AFA5-B58CD77FA1E5}</a:tableStyleId>
+              </a:tblPr>
+              <a:tblGrid>
+                <a:gridCol w="943054">
+                  <a:extLst>
+                    <a:ext uri="{9D8B030D-6E8A-4147-A177-3AD203B41FA5}">
+                      <a16:colId xmlns:a16="http://schemas.microsoft.com/office/drawing/2014/main" val="47274245"/>
+                    </a:ext>
+                  </a:extLst>
+                </a:gridCol>
+                <a:gridCol w="943054">
+                  <a:extLst>
+                    <a:ext uri="{9D8B030D-6E8A-4147-A177-3AD203B41FA5}">
+                      <a16:colId xmlns:a16="http://schemas.microsoft.com/office/drawing/2014/main" val="3610804995"/>
+                    </a:ext>
+                  </a:extLst>
+                </a:gridCol>
+                <a:gridCol w="943054">
+                  <a:extLst>
+                    <a:ext uri="{9D8B030D-6E8A-4147-A177-3AD203B41FA5}">
+                      <a16:colId xmlns:a16="http://schemas.microsoft.com/office/drawing/2014/main" val="3905327117"/>
+                    </a:ext>
+                  </a:extLst>
+                </a:gridCol>
+                <a:gridCol w="943054">
+                  <a:extLst>
+                    <a:ext uri="{9D8B030D-6E8A-4147-A177-3AD203B41FA5}">
+                      <a16:colId xmlns:a16="http://schemas.microsoft.com/office/drawing/2014/main" val="2919006572"/>
+                    </a:ext>
+                  </a:extLst>
+                </a:gridCol>
+                <a:gridCol w="943054">
+                  <a:extLst>
+                    <a:ext uri="{9D8B030D-6E8A-4147-A177-3AD203B41FA5}">
+                      <a16:colId xmlns:a16="http://schemas.microsoft.com/office/drawing/2014/main" val="2715869159"/>
+                    </a:ext>
+                  </a:extLst>
+                </a:gridCol>
+                <a:gridCol w="943054">
+                  <a:extLst>
+                    <a:ext uri="{9D8B030D-6E8A-4147-A177-3AD203B41FA5}">
+                      <a16:colId xmlns:a16="http://schemas.microsoft.com/office/drawing/2014/main" val="2579987233"/>
+                    </a:ext>
+                  </a:extLst>
+                </a:gridCol>
+                <a:gridCol w="943054">
+                  <a:extLst>
+                    <a:ext uri="{9D8B030D-6E8A-4147-A177-3AD203B41FA5}">
+                      <a16:colId xmlns:a16="http://schemas.microsoft.com/office/drawing/2014/main" val="3595308306"/>
+                    </a:ext>
+                  </a:extLst>
+                </a:gridCol>
+                <a:gridCol w="943054">
+                  <a:extLst>
+                    <a:ext uri="{9D8B030D-6E8A-4147-A177-3AD203B41FA5}">
+                      <a16:colId xmlns:a16="http://schemas.microsoft.com/office/drawing/2014/main" val="1433315517"/>
+                    </a:ext>
+                  </a:extLst>
+                </a:gridCol>
+              </a:tblGrid>
+              <a:tr h="629357">
+                <a:tc>
+                  <a:txBody>
+                    <a:bodyPr/>
+                    <a:lstStyle/>
+                    <a:p>
+                      <a:pPr algn="l" fontAlgn="b"/>
+                      <a:r>
+                        <a:rPr lang="en-US" sz="1100" b="1" u="none" strike="noStrike" dirty="0">
+                          <a:solidFill>
+                            <a:srgbClr val="305496"/>
+                          </a:solidFill>
+                          <a:effectLst/>
+                        </a:rPr>
+                        <a:t>Platform</a:t>
+                      </a:r>
+                      <a:endParaRPr lang="en-US" sz="1100" b="1" i="0" u="none" strike="noStrike" dirty="0">
+                        <a:solidFill>
+                          <a:srgbClr val="305496"/>
+                        </a:solidFill>
+                        <a:effectLst/>
+                        <a:latin typeface="Calibri" panose="020F0502020204030204" pitchFamily="34" charset="0"/>
+                      </a:endParaRPr>
+                    </a:p>
+                  </a:txBody>
+                  <a:tcPr marL="9525" marR="9525" marT="9525" marB="0" anchor="b"/>
+                </a:tc>
+                <a:tc>
+                  <a:txBody>
+                    <a:bodyPr/>
+                    <a:lstStyle/>
+                    <a:p>
+                      <a:pPr algn="l" fontAlgn="b"/>
+                      <a:r>
+                        <a:rPr lang="en-US" sz="1100" b="1" u="none" strike="noStrike">
+                          <a:solidFill>
+                            <a:srgbClr val="305496"/>
+                          </a:solidFill>
+                          <a:effectLst/>
+                        </a:rPr>
+                        <a:t> Avgerage Epoch Time (s)</a:t>
+                      </a:r>
+                      <a:endParaRPr lang="en-US" sz="1100" b="1" i="0" u="none" strike="noStrike">
+                        <a:solidFill>
+                          <a:srgbClr val="305496"/>
+                        </a:solidFill>
+                        <a:effectLst/>
+                        <a:latin typeface="Calibri" panose="020F0502020204030204" pitchFamily="34" charset="0"/>
+                      </a:endParaRPr>
+                    </a:p>
+                  </a:txBody>
+                  <a:tcPr marL="9525" marR="9525" marT="9525" marB="0" anchor="b"/>
+                </a:tc>
+                <a:tc>
+                  <a:txBody>
+                    <a:bodyPr/>
+                    <a:lstStyle/>
+                    <a:p>
+                      <a:pPr algn="l" fontAlgn="b"/>
+                      <a:r>
+                        <a:rPr lang="en-US" sz="1100" b="1" u="none" strike="noStrike" dirty="0">
+                          <a:solidFill>
+                            <a:srgbClr val="305496"/>
+                          </a:solidFill>
+                          <a:effectLst/>
+                        </a:rPr>
+                        <a:t>Total Train Time (s)</a:t>
+                      </a:r>
+                      <a:endParaRPr lang="en-US" sz="1100" b="1" i="0" u="none" strike="noStrike" dirty="0">
+                        <a:solidFill>
+                          <a:srgbClr val="305496"/>
+                        </a:solidFill>
+                        <a:effectLst/>
+                        <a:latin typeface="Calibri" panose="020F0502020204030204" pitchFamily="34" charset="0"/>
+                      </a:endParaRPr>
+                    </a:p>
+                  </a:txBody>
+                  <a:tcPr marL="9525" marR="9525" marT="9525" marB="0" anchor="b"/>
+                </a:tc>
+                <a:tc>
+                  <a:txBody>
+                    <a:bodyPr/>
+                    <a:lstStyle/>
+                    <a:p>
+                      <a:pPr algn="l" fontAlgn="b"/>
+                      <a:r>
+                        <a:rPr lang="en-US" sz="1100" b="1" u="none" strike="noStrike" dirty="0">
+                          <a:solidFill>
+                            <a:srgbClr val="305496"/>
+                          </a:solidFill>
+                          <a:effectLst/>
+                        </a:rPr>
+                        <a:t>Average Throughput (samples/s)</a:t>
+                      </a:r>
+                      <a:endParaRPr lang="en-US" sz="1100" b="1" i="0" u="none" strike="noStrike" dirty="0">
+                        <a:solidFill>
+                          <a:srgbClr val="305496"/>
+                        </a:solidFill>
+                        <a:effectLst/>
+                        <a:latin typeface="Calibri" panose="020F0502020204030204" pitchFamily="34" charset="0"/>
+                      </a:endParaRPr>
+                    </a:p>
+                  </a:txBody>
+                  <a:tcPr marL="9525" marR="9525" marT="9525" marB="0" anchor="b"/>
+                </a:tc>
+                <a:tc>
+                  <a:txBody>
+                    <a:bodyPr/>
+                    <a:lstStyle/>
+                    <a:p>
+                      <a:pPr algn="l" fontAlgn="b"/>
+                      <a:r>
+                        <a:rPr lang="en-US" sz="1100" b="1" u="none" strike="noStrike" dirty="0">
+                          <a:solidFill>
+                            <a:srgbClr val="305496"/>
+                          </a:solidFill>
+                          <a:effectLst/>
+                        </a:rPr>
+                        <a:t>Final Test Accuracy (%)</a:t>
+                      </a:r>
+                      <a:endParaRPr lang="en-US" sz="1100" b="1" i="0" u="none" strike="noStrike" dirty="0">
+                        <a:solidFill>
+                          <a:srgbClr val="305496"/>
+                        </a:solidFill>
+                        <a:effectLst/>
+                        <a:latin typeface="Calibri" panose="020F0502020204030204" pitchFamily="34" charset="0"/>
+                      </a:endParaRPr>
+                    </a:p>
+                  </a:txBody>
+                  <a:tcPr marL="9525" marR="9525" marT="9525" marB="0" anchor="b"/>
+                </a:tc>
+                <a:tc>
+                  <a:txBody>
+                    <a:bodyPr/>
+                    <a:lstStyle/>
+                    <a:p>
+                      <a:pPr algn="l" fontAlgn="b"/>
+                      <a:r>
+                        <a:rPr lang="en-US" sz="1100" b="1" u="none" strike="noStrike" dirty="0">
+                          <a:solidFill>
+                            <a:srgbClr val="305496"/>
+                          </a:solidFill>
+                          <a:effectLst/>
+                        </a:rPr>
+                        <a:t>Max Test Accuracy (%)</a:t>
+                      </a:r>
+                      <a:endParaRPr lang="en-US" sz="1100" b="1" i="0" u="none" strike="noStrike" dirty="0">
+                        <a:solidFill>
+                          <a:srgbClr val="305496"/>
+                        </a:solidFill>
+                        <a:effectLst/>
+                        <a:latin typeface="Calibri" panose="020F0502020204030204" pitchFamily="34" charset="0"/>
+                      </a:endParaRPr>
+                    </a:p>
+                  </a:txBody>
+                  <a:tcPr marL="9525" marR="9525" marT="9525" marB="0" anchor="b"/>
+                </a:tc>
+                <a:tc>
+                  <a:txBody>
+                    <a:bodyPr/>
+                    <a:lstStyle/>
+                    <a:p>
+                      <a:pPr algn="l" fontAlgn="b"/>
+                      <a:r>
+                        <a:rPr lang="en-US" sz="1100" b="1" u="none" strike="noStrike">
+                          <a:solidFill>
+                            <a:srgbClr val="305496"/>
+                          </a:solidFill>
+                          <a:effectLst/>
+                        </a:rPr>
+                        <a:t>Average Process RAM (MB)</a:t>
+                      </a:r>
+                      <a:endParaRPr lang="en-US" sz="1100" b="1" i="0" u="none" strike="noStrike">
+                        <a:solidFill>
+                          <a:srgbClr val="305496"/>
+                        </a:solidFill>
+                        <a:effectLst/>
+                        <a:latin typeface="Calibri" panose="020F0502020204030204" pitchFamily="34" charset="0"/>
+                      </a:endParaRPr>
+                    </a:p>
+                  </a:txBody>
+                  <a:tcPr marL="9525" marR="9525" marT="9525" marB="0" anchor="b"/>
+                </a:tc>
+                <a:tc>
+                  <a:txBody>
+                    <a:bodyPr/>
+                    <a:lstStyle/>
+                    <a:p>
+                      <a:pPr algn="l" fontAlgn="b"/>
+                      <a:r>
+                        <a:rPr lang="en-US" sz="1100" b="1" u="none" strike="noStrike">
+                          <a:solidFill>
+                            <a:srgbClr val="305496"/>
+                          </a:solidFill>
+                          <a:effectLst/>
+                        </a:rPr>
+                        <a:t>Max GPU VRAM (MB)</a:t>
+                      </a:r>
+                      <a:endParaRPr lang="en-US" sz="1100" b="1" i="0" u="none" strike="noStrike">
+                        <a:solidFill>
+                          <a:srgbClr val="305496"/>
+                        </a:solidFill>
+                        <a:effectLst/>
+                        <a:latin typeface="Calibri" panose="020F0502020204030204" pitchFamily="34" charset="0"/>
+                      </a:endParaRPr>
+                    </a:p>
+                  </a:txBody>
+                  <a:tcPr marL="9525" marR="9525" marT="9525" marB="0" anchor="b"/>
+                </a:tc>
+                <a:extLst>
+                  <a:ext uri="{0D108BD9-81ED-4DB2-BD59-A6C34878D82A}">
+                    <a16:rowId xmlns:a16="http://schemas.microsoft.com/office/drawing/2014/main" val="3261401974"/>
+                  </a:ext>
+                </a:extLst>
+              </a:tr>
+              <a:tr h="217584">
+                <a:tc>
+                  <a:txBody>
+                    <a:bodyPr/>
+                    <a:lstStyle/>
+                    <a:p>
+                      <a:pPr algn="l" fontAlgn="b"/>
+                      <a:r>
+                        <a:rPr lang="en-US" sz="1100" b="0" u="none" strike="noStrike">
+                          <a:solidFill>
+                            <a:srgbClr val="305496"/>
+                          </a:solidFill>
+                          <a:effectLst/>
+                        </a:rPr>
+                        <a:t>CPU (NUMBA)</a:t>
+                      </a:r>
+                      <a:endParaRPr lang="en-US" sz="1100" b="0" i="0" u="none" strike="noStrike">
+                        <a:solidFill>
+                          <a:srgbClr val="305496"/>
+                        </a:solidFill>
+                        <a:effectLst/>
+                        <a:latin typeface="Calibri" panose="020F0502020204030204" pitchFamily="34" charset="0"/>
+                      </a:endParaRPr>
+                    </a:p>
+                  </a:txBody>
+                  <a:tcPr marL="9525" marR="9525" marT="9525" marB="0" anchor="b"/>
+                </a:tc>
+                <a:tc>
+                  <a:txBody>
+                    <a:bodyPr/>
+                    <a:lstStyle/>
+                    <a:p>
+                      <a:pPr algn="l" fontAlgn="b"/>
+                      <a:r>
+                        <a:rPr lang="en-US" sz="1100" b="0" u="none" strike="noStrike">
+                          <a:solidFill>
+                            <a:srgbClr val="305496"/>
+                          </a:solidFill>
+                          <a:effectLst/>
+                        </a:rPr>
+                        <a:t>2.0928</a:t>
+                      </a:r>
+                      <a:endParaRPr lang="en-US" sz="1100" b="0" i="0" u="none" strike="noStrike">
+                        <a:solidFill>
+                          <a:srgbClr val="305496"/>
+                        </a:solidFill>
+                        <a:effectLst/>
+                        <a:latin typeface="Calibri" panose="020F0502020204030204" pitchFamily="34" charset="0"/>
+                      </a:endParaRPr>
+                    </a:p>
+                  </a:txBody>
+                  <a:tcPr marL="9525" marR="9525" marT="9525" marB="0" anchor="b"/>
+                </a:tc>
+                <a:tc>
+                  <a:txBody>
+                    <a:bodyPr/>
+                    <a:lstStyle/>
+                    <a:p>
+                      <a:pPr algn="l" fontAlgn="b"/>
+                      <a:r>
+                        <a:rPr lang="en-US" sz="1100" b="0" u="none" strike="noStrike">
+                          <a:solidFill>
+                            <a:srgbClr val="305496"/>
+                          </a:solidFill>
+                          <a:effectLst/>
+                        </a:rPr>
+                        <a:t>20.928</a:t>
+                      </a:r>
+                      <a:endParaRPr lang="en-US" sz="1100" b="0" i="0" u="none" strike="noStrike">
+                        <a:solidFill>
+                          <a:srgbClr val="305496"/>
+                        </a:solidFill>
+                        <a:effectLst/>
+                        <a:latin typeface="Calibri" panose="020F0502020204030204" pitchFamily="34" charset="0"/>
+                      </a:endParaRPr>
+                    </a:p>
+                  </a:txBody>
+                  <a:tcPr marL="9525" marR="9525" marT="9525" marB="0" anchor="b"/>
+                </a:tc>
+                <a:tc>
+                  <a:txBody>
+                    <a:bodyPr/>
+                    <a:lstStyle/>
+                    <a:p>
+                      <a:pPr algn="l" fontAlgn="b"/>
+                      <a:r>
+                        <a:rPr lang="en-US" sz="1100" b="0" u="none" strike="noStrike" dirty="0">
+                          <a:solidFill>
+                            <a:srgbClr val="305496"/>
+                          </a:solidFill>
+                          <a:effectLst/>
+                        </a:rPr>
+                        <a:t>30501</a:t>
+                      </a:r>
+                      <a:endParaRPr lang="en-US" sz="1100" b="0" i="0" u="none" strike="noStrike" dirty="0">
+                        <a:solidFill>
+                          <a:srgbClr val="305496"/>
+                        </a:solidFill>
+                        <a:effectLst/>
+                        <a:latin typeface="Calibri" panose="020F0502020204030204" pitchFamily="34" charset="0"/>
+                      </a:endParaRPr>
+                    </a:p>
+                  </a:txBody>
+                  <a:tcPr marL="9525" marR="9525" marT="9525" marB="0" anchor="b"/>
+                </a:tc>
+                <a:tc>
+                  <a:txBody>
+                    <a:bodyPr/>
+                    <a:lstStyle/>
+                    <a:p>
+                      <a:pPr algn="l" fontAlgn="b"/>
+                      <a:r>
+                        <a:rPr lang="en-US" sz="1100" b="0" u="none" strike="noStrike">
+                          <a:solidFill>
+                            <a:srgbClr val="305496"/>
+                          </a:solidFill>
+                          <a:effectLst/>
+                        </a:rPr>
+                        <a:t>96.33</a:t>
+                      </a:r>
+                      <a:endParaRPr lang="en-US" sz="1100" b="0" i="0" u="none" strike="noStrike">
+                        <a:solidFill>
+                          <a:srgbClr val="305496"/>
+                        </a:solidFill>
+                        <a:effectLst/>
+                        <a:latin typeface="Calibri" panose="020F0502020204030204" pitchFamily="34" charset="0"/>
+                      </a:endParaRPr>
+                    </a:p>
+                  </a:txBody>
+                  <a:tcPr marL="9525" marR="9525" marT="9525" marB="0" anchor="b"/>
+                </a:tc>
+                <a:tc>
+                  <a:txBody>
+                    <a:bodyPr/>
+                    <a:lstStyle/>
+                    <a:p>
+                      <a:pPr algn="l" fontAlgn="b"/>
+                      <a:r>
+                        <a:rPr lang="en-US" sz="1100" b="0" u="none" strike="noStrike">
+                          <a:solidFill>
+                            <a:srgbClr val="305496"/>
+                          </a:solidFill>
+                          <a:effectLst/>
+                        </a:rPr>
+                        <a:t>97.42</a:t>
+                      </a:r>
+                      <a:endParaRPr lang="en-US" sz="1100" b="0" i="0" u="none" strike="noStrike">
+                        <a:solidFill>
+                          <a:srgbClr val="305496"/>
+                        </a:solidFill>
+                        <a:effectLst/>
+                        <a:latin typeface="Calibri" panose="020F0502020204030204" pitchFamily="34" charset="0"/>
+                      </a:endParaRPr>
+                    </a:p>
+                  </a:txBody>
+                  <a:tcPr marL="9525" marR="9525" marT="9525" marB="0" anchor="b"/>
+                </a:tc>
+                <a:tc>
+                  <a:txBody>
+                    <a:bodyPr/>
+                    <a:lstStyle/>
+                    <a:p>
+                      <a:pPr algn="l" fontAlgn="b"/>
+                      <a:r>
+                        <a:rPr lang="en-US" sz="1100" b="0" u="none" strike="noStrike" dirty="0">
+                          <a:solidFill>
+                            <a:srgbClr val="305496"/>
+                          </a:solidFill>
+                          <a:effectLst/>
+                        </a:rPr>
+                        <a:t>1334.572</a:t>
+                      </a:r>
+                      <a:endParaRPr lang="en-US" sz="1100" b="0" i="0" u="none" strike="noStrike" dirty="0">
+                        <a:solidFill>
+                          <a:srgbClr val="305496"/>
+                        </a:solidFill>
+                        <a:effectLst/>
+                        <a:latin typeface="Calibri" panose="020F0502020204030204" pitchFamily="34" charset="0"/>
+                      </a:endParaRPr>
+                    </a:p>
+                  </a:txBody>
+                  <a:tcPr marL="9525" marR="9525" marT="9525" marB="0" anchor="b"/>
+                </a:tc>
+                <a:tc>
+                  <a:txBody>
+                    <a:bodyPr/>
+                    <a:lstStyle/>
+                    <a:p>
+                      <a:pPr algn="l" fontAlgn="b"/>
+                      <a:r>
+                        <a:rPr lang="en-US" sz="1100" b="0" u="none" strike="noStrike">
+                          <a:solidFill>
+                            <a:srgbClr val="305496"/>
+                          </a:solidFill>
+                          <a:effectLst/>
+                        </a:rPr>
+                        <a:t>0</a:t>
+                      </a:r>
+                      <a:endParaRPr lang="en-US" sz="1100" b="0" i="0" u="none" strike="noStrike">
+                        <a:solidFill>
+                          <a:srgbClr val="305496"/>
+                        </a:solidFill>
+                        <a:effectLst/>
+                        <a:latin typeface="Calibri" panose="020F0502020204030204" pitchFamily="34" charset="0"/>
+                      </a:endParaRPr>
+                    </a:p>
+                  </a:txBody>
+                  <a:tcPr marL="9525" marR="9525" marT="9525" marB="0" anchor="b"/>
+                </a:tc>
+                <a:extLst>
+                  <a:ext uri="{0D108BD9-81ED-4DB2-BD59-A6C34878D82A}">
+                    <a16:rowId xmlns:a16="http://schemas.microsoft.com/office/drawing/2014/main" val="2734289888"/>
+                  </a:ext>
+                </a:extLst>
+              </a:tr>
+              <a:tr h="423471">
+                <a:tc>
+                  <a:txBody>
+                    <a:bodyPr/>
+                    <a:lstStyle/>
+                    <a:p>
+                      <a:pPr algn="l" fontAlgn="b"/>
+                      <a:r>
+                        <a:rPr lang="en-US" sz="1100" b="0" u="none" strike="noStrike">
+                          <a:solidFill>
+                            <a:srgbClr val="305496"/>
+                          </a:solidFill>
+                          <a:effectLst/>
+                        </a:rPr>
+                        <a:t>GPU CUDA (NUMBA)</a:t>
+                      </a:r>
+                      <a:endParaRPr lang="en-US" sz="1100" b="0" i="0" u="none" strike="noStrike">
+                        <a:solidFill>
+                          <a:srgbClr val="305496"/>
+                        </a:solidFill>
+                        <a:effectLst/>
+                        <a:latin typeface="Calibri" panose="020F0502020204030204" pitchFamily="34" charset="0"/>
+                      </a:endParaRPr>
+                    </a:p>
+                  </a:txBody>
+                  <a:tcPr marL="9525" marR="9525" marT="9525" marB="0" anchor="b"/>
+                </a:tc>
+                <a:tc>
+                  <a:txBody>
+                    <a:bodyPr/>
+                    <a:lstStyle/>
+                    <a:p>
+                      <a:pPr algn="l" fontAlgn="b"/>
+                      <a:r>
+                        <a:rPr lang="en-US" sz="1100" b="0" u="none" strike="noStrike">
+                          <a:solidFill>
+                            <a:srgbClr val="305496"/>
+                          </a:solidFill>
+                          <a:effectLst/>
+                        </a:rPr>
+                        <a:t>0.9268</a:t>
+                      </a:r>
+                      <a:endParaRPr lang="en-US" sz="1100" b="0" i="0" u="none" strike="noStrike">
+                        <a:solidFill>
+                          <a:srgbClr val="305496"/>
+                        </a:solidFill>
+                        <a:effectLst/>
+                        <a:latin typeface="Calibri" panose="020F0502020204030204" pitchFamily="34" charset="0"/>
+                      </a:endParaRPr>
+                    </a:p>
+                  </a:txBody>
+                  <a:tcPr marL="9525" marR="9525" marT="9525" marB="0" anchor="b"/>
+                </a:tc>
+                <a:tc>
+                  <a:txBody>
+                    <a:bodyPr/>
+                    <a:lstStyle/>
+                    <a:p>
+                      <a:pPr algn="l" fontAlgn="b"/>
+                      <a:r>
+                        <a:rPr lang="en-US" sz="1100" b="0" u="none" strike="noStrike">
+                          <a:solidFill>
+                            <a:srgbClr val="305496"/>
+                          </a:solidFill>
+                          <a:effectLst/>
+                        </a:rPr>
+                        <a:t>9.268</a:t>
+                      </a:r>
+                      <a:endParaRPr lang="en-US" sz="1100" b="0" i="0" u="none" strike="noStrike">
+                        <a:solidFill>
+                          <a:srgbClr val="305496"/>
+                        </a:solidFill>
+                        <a:effectLst/>
+                        <a:latin typeface="Calibri" panose="020F0502020204030204" pitchFamily="34" charset="0"/>
+                      </a:endParaRPr>
+                    </a:p>
+                  </a:txBody>
+                  <a:tcPr marL="9525" marR="9525" marT="9525" marB="0" anchor="b"/>
+                </a:tc>
+                <a:tc>
+                  <a:txBody>
+                    <a:bodyPr/>
+                    <a:lstStyle/>
+                    <a:p>
+                      <a:pPr algn="l" fontAlgn="b"/>
+                      <a:r>
+                        <a:rPr lang="en-US" sz="1100" b="0" u="none" strike="noStrike">
+                          <a:solidFill>
+                            <a:srgbClr val="305496"/>
+                          </a:solidFill>
+                          <a:effectLst/>
+                        </a:rPr>
+                        <a:t>71758</a:t>
+                      </a:r>
+                      <a:endParaRPr lang="en-US" sz="1100" b="0" i="0" u="none" strike="noStrike">
+                        <a:solidFill>
+                          <a:srgbClr val="305496"/>
+                        </a:solidFill>
+                        <a:effectLst/>
+                        <a:latin typeface="Calibri" panose="020F0502020204030204" pitchFamily="34" charset="0"/>
+                      </a:endParaRPr>
+                    </a:p>
+                  </a:txBody>
+                  <a:tcPr marL="9525" marR="9525" marT="9525" marB="0" anchor="b"/>
+                </a:tc>
+                <a:tc>
+                  <a:txBody>
+                    <a:bodyPr/>
+                    <a:lstStyle/>
+                    <a:p>
+                      <a:pPr algn="l" fontAlgn="b"/>
+                      <a:r>
+                        <a:rPr lang="en-US" sz="1100" b="0" u="none" strike="noStrike">
+                          <a:solidFill>
+                            <a:srgbClr val="305496"/>
+                          </a:solidFill>
+                          <a:effectLst/>
+                        </a:rPr>
+                        <a:t>96.68</a:t>
+                      </a:r>
+                      <a:endParaRPr lang="en-US" sz="1100" b="0" i="0" u="none" strike="noStrike">
+                        <a:solidFill>
+                          <a:srgbClr val="305496"/>
+                        </a:solidFill>
+                        <a:effectLst/>
+                        <a:latin typeface="Calibri" panose="020F0502020204030204" pitchFamily="34" charset="0"/>
+                      </a:endParaRPr>
+                    </a:p>
+                  </a:txBody>
+                  <a:tcPr marL="9525" marR="9525" marT="9525" marB="0" anchor="b"/>
+                </a:tc>
+                <a:tc>
+                  <a:txBody>
+                    <a:bodyPr/>
+                    <a:lstStyle/>
+                    <a:p>
+                      <a:pPr algn="l" fontAlgn="b"/>
+                      <a:r>
+                        <a:rPr lang="en-US" sz="1100" b="0" u="none" strike="noStrike">
+                          <a:solidFill>
+                            <a:srgbClr val="305496"/>
+                          </a:solidFill>
+                          <a:effectLst/>
+                        </a:rPr>
+                        <a:t>97.56</a:t>
+                      </a:r>
+                      <a:endParaRPr lang="en-US" sz="1100" b="0" i="0" u="none" strike="noStrike">
+                        <a:solidFill>
+                          <a:srgbClr val="305496"/>
+                        </a:solidFill>
+                        <a:effectLst/>
+                        <a:latin typeface="Calibri" panose="020F0502020204030204" pitchFamily="34" charset="0"/>
+                      </a:endParaRPr>
+                    </a:p>
+                  </a:txBody>
+                  <a:tcPr marL="9525" marR="9525" marT="9525" marB="0" anchor="b"/>
+                </a:tc>
+                <a:tc>
+                  <a:txBody>
+                    <a:bodyPr/>
+                    <a:lstStyle/>
+                    <a:p>
+                      <a:pPr algn="l" fontAlgn="b"/>
+                      <a:r>
+                        <a:rPr lang="en-US" sz="1100" b="0" u="none" strike="noStrike" dirty="0">
+                          <a:solidFill>
+                            <a:srgbClr val="305496"/>
+                          </a:solidFill>
+                          <a:effectLst/>
+                        </a:rPr>
+                        <a:t>1156.894</a:t>
+                      </a:r>
+                      <a:endParaRPr lang="en-US" sz="1100" b="0" i="0" u="none" strike="noStrike" dirty="0">
+                        <a:solidFill>
+                          <a:srgbClr val="305496"/>
+                        </a:solidFill>
+                        <a:effectLst/>
+                        <a:latin typeface="Calibri" panose="020F0502020204030204" pitchFamily="34" charset="0"/>
+                      </a:endParaRPr>
+                    </a:p>
+                  </a:txBody>
+                  <a:tcPr marL="9525" marR="9525" marT="9525" marB="0" anchor="b"/>
+                </a:tc>
+                <a:tc>
+                  <a:txBody>
+                    <a:bodyPr/>
+                    <a:lstStyle/>
+                    <a:p>
+                      <a:pPr algn="l" fontAlgn="b"/>
+                      <a:r>
+                        <a:rPr lang="en-US" sz="1100" b="0" u="none" strike="noStrike">
+                          <a:solidFill>
+                            <a:srgbClr val="305496"/>
+                          </a:solidFill>
+                          <a:effectLst/>
+                        </a:rPr>
+                        <a:t>0</a:t>
+                      </a:r>
+                      <a:endParaRPr lang="en-US" sz="1100" b="0" i="0" u="none" strike="noStrike">
+                        <a:solidFill>
+                          <a:srgbClr val="305496"/>
+                        </a:solidFill>
+                        <a:effectLst/>
+                        <a:latin typeface="Calibri" panose="020F0502020204030204" pitchFamily="34" charset="0"/>
+                      </a:endParaRPr>
+                    </a:p>
+                  </a:txBody>
+                  <a:tcPr marL="9525" marR="9525" marT="9525" marB="0" anchor="b"/>
+                </a:tc>
+                <a:extLst>
+                  <a:ext uri="{0D108BD9-81ED-4DB2-BD59-A6C34878D82A}">
+                    <a16:rowId xmlns:a16="http://schemas.microsoft.com/office/drawing/2014/main" val="332401619"/>
+                  </a:ext>
+                </a:extLst>
+              </a:tr>
+              <a:tr h="217584">
+                <a:tc>
+                  <a:txBody>
+                    <a:bodyPr/>
+                    <a:lstStyle/>
+                    <a:p>
+                      <a:pPr algn="l" fontAlgn="b"/>
+                      <a:r>
+                        <a:rPr lang="en-US" sz="1100" b="0" u="none" strike="noStrike">
+                          <a:solidFill>
+                            <a:srgbClr val="305496"/>
+                          </a:solidFill>
+                          <a:effectLst/>
+                        </a:rPr>
+                        <a:t>CPU (PYTORCH)</a:t>
+                      </a:r>
+                      <a:endParaRPr lang="en-US" sz="1100" b="0" i="0" u="none" strike="noStrike">
+                        <a:solidFill>
+                          <a:srgbClr val="305496"/>
+                        </a:solidFill>
+                        <a:effectLst/>
+                        <a:latin typeface="Calibri" panose="020F0502020204030204" pitchFamily="34" charset="0"/>
+                      </a:endParaRPr>
+                    </a:p>
+                  </a:txBody>
+                  <a:tcPr marL="9525" marR="9525" marT="9525" marB="0" anchor="b"/>
+                </a:tc>
+                <a:tc>
+                  <a:txBody>
+                    <a:bodyPr/>
+                    <a:lstStyle/>
+                    <a:p>
+                      <a:pPr algn="l" fontAlgn="b"/>
+                      <a:r>
+                        <a:rPr lang="en-US" sz="1100" b="0" u="none" strike="noStrike">
+                          <a:solidFill>
+                            <a:srgbClr val="305496"/>
+                          </a:solidFill>
+                          <a:effectLst/>
+                        </a:rPr>
+                        <a:t>11.2687</a:t>
+                      </a:r>
+                      <a:endParaRPr lang="en-US" sz="1100" b="0" i="0" u="none" strike="noStrike">
+                        <a:solidFill>
+                          <a:srgbClr val="305496"/>
+                        </a:solidFill>
+                        <a:effectLst/>
+                        <a:latin typeface="Calibri" panose="020F0502020204030204" pitchFamily="34" charset="0"/>
+                      </a:endParaRPr>
+                    </a:p>
+                  </a:txBody>
+                  <a:tcPr marL="9525" marR="9525" marT="9525" marB="0" anchor="b"/>
+                </a:tc>
+                <a:tc>
+                  <a:txBody>
+                    <a:bodyPr/>
+                    <a:lstStyle/>
+                    <a:p>
+                      <a:pPr algn="l" fontAlgn="b"/>
+                      <a:r>
+                        <a:rPr lang="en-US" sz="1100" b="0" u="none" strike="noStrike">
+                          <a:solidFill>
+                            <a:srgbClr val="305496"/>
+                          </a:solidFill>
+                          <a:effectLst/>
+                        </a:rPr>
+                        <a:t>112.687</a:t>
+                      </a:r>
+                      <a:endParaRPr lang="en-US" sz="1100" b="0" i="0" u="none" strike="noStrike">
+                        <a:solidFill>
+                          <a:srgbClr val="305496"/>
+                        </a:solidFill>
+                        <a:effectLst/>
+                        <a:latin typeface="Calibri" panose="020F0502020204030204" pitchFamily="34" charset="0"/>
+                      </a:endParaRPr>
+                    </a:p>
+                  </a:txBody>
+                  <a:tcPr marL="9525" marR="9525" marT="9525" marB="0" anchor="b"/>
+                </a:tc>
+                <a:tc>
+                  <a:txBody>
+                    <a:bodyPr/>
+                    <a:lstStyle/>
+                    <a:p>
+                      <a:pPr algn="l" fontAlgn="b"/>
+                      <a:r>
+                        <a:rPr lang="en-US" sz="1100" b="0" u="none" strike="noStrike">
+                          <a:solidFill>
+                            <a:srgbClr val="305496"/>
+                          </a:solidFill>
+                          <a:effectLst/>
+                        </a:rPr>
+                        <a:t>5340</a:t>
+                      </a:r>
+                      <a:endParaRPr lang="en-US" sz="1100" b="0" i="0" u="none" strike="noStrike">
+                        <a:solidFill>
+                          <a:srgbClr val="305496"/>
+                        </a:solidFill>
+                        <a:effectLst/>
+                        <a:latin typeface="Calibri" panose="020F0502020204030204" pitchFamily="34" charset="0"/>
+                      </a:endParaRPr>
+                    </a:p>
+                  </a:txBody>
+                  <a:tcPr marL="9525" marR="9525" marT="9525" marB="0" anchor="b"/>
+                </a:tc>
+                <a:tc>
+                  <a:txBody>
+                    <a:bodyPr/>
+                    <a:lstStyle/>
+                    <a:p>
+                      <a:pPr algn="l" fontAlgn="b"/>
+                      <a:r>
+                        <a:rPr lang="en-US" sz="1100" b="0" u="none" strike="noStrike">
+                          <a:solidFill>
+                            <a:srgbClr val="305496"/>
+                          </a:solidFill>
+                          <a:effectLst/>
+                        </a:rPr>
+                        <a:t>97.57</a:t>
+                      </a:r>
+                      <a:endParaRPr lang="en-US" sz="1100" b="0" i="0" u="none" strike="noStrike">
+                        <a:solidFill>
+                          <a:srgbClr val="305496"/>
+                        </a:solidFill>
+                        <a:effectLst/>
+                        <a:latin typeface="Calibri" panose="020F0502020204030204" pitchFamily="34" charset="0"/>
+                      </a:endParaRPr>
+                    </a:p>
+                  </a:txBody>
+                  <a:tcPr marL="9525" marR="9525" marT="9525" marB="0" anchor="b"/>
+                </a:tc>
+                <a:tc>
+                  <a:txBody>
+                    <a:bodyPr/>
+                    <a:lstStyle/>
+                    <a:p>
+                      <a:pPr algn="l" fontAlgn="b"/>
+                      <a:r>
+                        <a:rPr lang="en-US" sz="1100" b="0" u="none" strike="noStrike">
+                          <a:solidFill>
+                            <a:srgbClr val="305496"/>
+                          </a:solidFill>
+                          <a:effectLst/>
+                        </a:rPr>
+                        <a:t>98.5</a:t>
+                      </a:r>
+                      <a:endParaRPr lang="en-US" sz="1100" b="0" i="0" u="none" strike="noStrike">
+                        <a:solidFill>
+                          <a:srgbClr val="305496"/>
+                        </a:solidFill>
+                        <a:effectLst/>
+                        <a:latin typeface="Calibri" panose="020F0502020204030204" pitchFamily="34" charset="0"/>
+                      </a:endParaRPr>
+                    </a:p>
+                  </a:txBody>
+                  <a:tcPr marL="9525" marR="9525" marT="9525" marB="0" anchor="b"/>
+                </a:tc>
+                <a:tc>
+                  <a:txBody>
+                    <a:bodyPr/>
+                    <a:lstStyle/>
+                    <a:p>
+                      <a:pPr algn="l" fontAlgn="b"/>
+                      <a:r>
+                        <a:rPr lang="en-US" sz="1100" b="0" u="none" strike="noStrike">
+                          <a:solidFill>
+                            <a:srgbClr val="305496"/>
+                          </a:solidFill>
+                          <a:effectLst/>
+                        </a:rPr>
+                        <a:t>1611.935</a:t>
+                      </a:r>
+                      <a:endParaRPr lang="en-US" sz="1100" b="0" i="0" u="none" strike="noStrike">
+                        <a:solidFill>
+                          <a:srgbClr val="305496"/>
+                        </a:solidFill>
+                        <a:effectLst/>
+                        <a:latin typeface="Calibri" panose="020F0502020204030204" pitchFamily="34" charset="0"/>
+                      </a:endParaRPr>
+                    </a:p>
+                  </a:txBody>
+                  <a:tcPr marL="9525" marR="9525" marT="9525" marB="0" anchor="b"/>
+                </a:tc>
+                <a:tc>
+                  <a:txBody>
+                    <a:bodyPr/>
+                    <a:lstStyle/>
+                    <a:p>
+                      <a:pPr algn="l" fontAlgn="b"/>
+                      <a:r>
+                        <a:rPr lang="en-US" sz="1100" b="0" u="none" strike="noStrike" dirty="0">
+                          <a:solidFill>
+                            <a:srgbClr val="305496"/>
+                          </a:solidFill>
+                          <a:effectLst/>
+                        </a:rPr>
+                        <a:t>0</a:t>
+                      </a:r>
+                      <a:endParaRPr lang="en-US" sz="1100" b="0" i="0" u="none" strike="noStrike" dirty="0">
+                        <a:solidFill>
+                          <a:srgbClr val="305496"/>
+                        </a:solidFill>
+                        <a:effectLst/>
+                        <a:latin typeface="Calibri" panose="020F0502020204030204" pitchFamily="34" charset="0"/>
+                      </a:endParaRPr>
+                    </a:p>
+                  </a:txBody>
+                  <a:tcPr marL="9525" marR="9525" marT="9525" marB="0" anchor="b"/>
+                </a:tc>
+                <a:extLst>
+                  <a:ext uri="{0D108BD9-81ED-4DB2-BD59-A6C34878D82A}">
+                    <a16:rowId xmlns:a16="http://schemas.microsoft.com/office/drawing/2014/main" val="19451249"/>
+                  </a:ext>
+                </a:extLst>
+              </a:tr>
+              <a:tr h="423471">
+                <a:tc>
+                  <a:txBody>
+                    <a:bodyPr/>
+                    <a:lstStyle/>
+                    <a:p>
+                      <a:pPr algn="l" fontAlgn="b"/>
+                      <a:r>
+                        <a:rPr lang="en-US" sz="1100" b="0" u="none" strike="noStrike">
+                          <a:solidFill>
+                            <a:srgbClr val="305496"/>
+                          </a:solidFill>
+                          <a:effectLst/>
+                        </a:rPr>
+                        <a:t>GPU CUDA (PYTORCH)</a:t>
+                      </a:r>
+                      <a:endParaRPr lang="en-US" sz="1100" b="0" i="0" u="none" strike="noStrike">
+                        <a:solidFill>
+                          <a:srgbClr val="305496"/>
+                        </a:solidFill>
+                        <a:effectLst/>
+                        <a:latin typeface="Calibri" panose="020F0502020204030204" pitchFamily="34" charset="0"/>
+                      </a:endParaRPr>
+                    </a:p>
+                  </a:txBody>
+                  <a:tcPr marL="9525" marR="9525" marT="9525" marB="0" anchor="b"/>
+                </a:tc>
+                <a:tc>
+                  <a:txBody>
+                    <a:bodyPr/>
+                    <a:lstStyle/>
+                    <a:p>
+                      <a:pPr algn="l" fontAlgn="b"/>
+                      <a:r>
+                        <a:rPr lang="en-US" sz="1100" b="0" u="none" strike="noStrike">
+                          <a:solidFill>
+                            <a:srgbClr val="305496"/>
+                          </a:solidFill>
+                          <a:effectLst/>
+                        </a:rPr>
+                        <a:t>8.7219</a:t>
+                      </a:r>
+                      <a:endParaRPr lang="en-US" sz="1100" b="0" i="0" u="none" strike="noStrike">
+                        <a:solidFill>
+                          <a:srgbClr val="305496"/>
+                        </a:solidFill>
+                        <a:effectLst/>
+                        <a:latin typeface="Calibri" panose="020F0502020204030204" pitchFamily="34" charset="0"/>
+                      </a:endParaRPr>
+                    </a:p>
+                  </a:txBody>
+                  <a:tcPr marL="9525" marR="9525" marT="9525" marB="0" anchor="b"/>
+                </a:tc>
+                <a:tc>
+                  <a:txBody>
+                    <a:bodyPr/>
+                    <a:lstStyle/>
+                    <a:p>
+                      <a:pPr algn="l" fontAlgn="b"/>
+                      <a:r>
+                        <a:rPr lang="en-US" sz="1100" b="0" u="none" strike="noStrike">
+                          <a:solidFill>
+                            <a:srgbClr val="305496"/>
+                          </a:solidFill>
+                          <a:effectLst/>
+                        </a:rPr>
+                        <a:t>87.219</a:t>
+                      </a:r>
+                      <a:endParaRPr lang="en-US" sz="1100" b="0" i="0" u="none" strike="noStrike">
+                        <a:solidFill>
+                          <a:srgbClr val="305496"/>
+                        </a:solidFill>
+                        <a:effectLst/>
+                        <a:latin typeface="Calibri" panose="020F0502020204030204" pitchFamily="34" charset="0"/>
+                      </a:endParaRPr>
+                    </a:p>
+                  </a:txBody>
+                  <a:tcPr marL="9525" marR="9525" marT="9525" marB="0" anchor="b"/>
+                </a:tc>
+                <a:tc>
+                  <a:txBody>
+                    <a:bodyPr/>
+                    <a:lstStyle/>
+                    <a:p>
+                      <a:pPr algn="l" fontAlgn="b"/>
+                      <a:r>
+                        <a:rPr lang="en-US" sz="1100" b="0" u="none" strike="noStrike">
+                          <a:solidFill>
+                            <a:srgbClr val="305496"/>
+                          </a:solidFill>
+                          <a:effectLst/>
+                        </a:rPr>
+                        <a:t>6948</a:t>
+                      </a:r>
+                      <a:endParaRPr lang="en-US" sz="1100" b="0" i="0" u="none" strike="noStrike">
+                        <a:solidFill>
+                          <a:srgbClr val="305496"/>
+                        </a:solidFill>
+                        <a:effectLst/>
+                        <a:latin typeface="Calibri" panose="020F0502020204030204" pitchFamily="34" charset="0"/>
+                      </a:endParaRPr>
+                    </a:p>
+                  </a:txBody>
+                  <a:tcPr marL="9525" marR="9525" marT="9525" marB="0" anchor="b"/>
+                </a:tc>
+                <a:tc>
+                  <a:txBody>
+                    <a:bodyPr/>
+                    <a:lstStyle/>
+                    <a:p>
+                      <a:pPr algn="l" fontAlgn="b"/>
+                      <a:r>
+                        <a:rPr lang="en-US" sz="1100" b="0" u="none" strike="noStrike">
+                          <a:solidFill>
+                            <a:srgbClr val="305496"/>
+                          </a:solidFill>
+                          <a:effectLst/>
+                        </a:rPr>
+                        <a:t>97.21</a:t>
+                      </a:r>
+                      <a:endParaRPr lang="en-US" sz="1100" b="0" i="0" u="none" strike="noStrike">
+                        <a:solidFill>
+                          <a:srgbClr val="305496"/>
+                        </a:solidFill>
+                        <a:effectLst/>
+                        <a:latin typeface="Calibri" panose="020F0502020204030204" pitchFamily="34" charset="0"/>
+                      </a:endParaRPr>
+                    </a:p>
+                  </a:txBody>
+                  <a:tcPr marL="9525" marR="9525" marT="9525" marB="0" anchor="b"/>
+                </a:tc>
+                <a:tc>
+                  <a:txBody>
+                    <a:bodyPr/>
+                    <a:lstStyle/>
+                    <a:p>
+                      <a:pPr algn="l" fontAlgn="b"/>
+                      <a:r>
+                        <a:rPr lang="en-US" sz="1100" b="0" u="none" strike="noStrike">
+                          <a:solidFill>
+                            <a:srgbClr val="305496"/>
+                          </a:solidFill>
+                          <a:effectLst/>
+                        </a:rPr>
+                        <a:t>98.5</a:t>
+                      </a:r>
+                      <a:endParaRPr lang="en-US" sz="1100" b="0" i="0" u="none" strike="noStrike">
+                        <a:solidFill>
+                          <a:srgbClr val="305496"/>
+                        </a:solidFill>
+                        <a:effectLst/>
+                        <a:latin typeface="Calibri" panose="020F0502020204030204" pitchFamily="34" charset="0"/>
+                      </a:endParaRPr>
+                    </a:p>
+                  </a:txBody>
+                  <a:tcPr marL="9525" marR="9525" marT="9525" marB="0" anchor="b"/>
+                </a:tc>
+                <a:tc>
+                  <a:txBody>
+                    <a:bodyPr/>
+                    <a:lstStyle/>
+                    <a:p>
+                      <a:pPr algn="l" fontAlgn="b"/>
+                      <a:r>
+                        <a:rPr lang="en-US" sz="1100" b="0" u="none" strike="noStrike">
+                          <a:solidFill>
+                            <a:srgbClr val="305496"/>
+                          </a:solidFill>
+                          <a:effectLst/>
+                        </a:rPr>
+                        <a:t>1363.258</a:t>
+                      </a:r>
+                      <a:endParaRPr lang="en-US" sz="1100" b="0" i="0" u="none" strike="noStrike">
+                        <a:solidFill>
+                          <a:srgbClr val="305496"/>
+                        </a:solidFill>
+                        <a:effectLst/>
+                        <a:latin typeface="Calibri" panose="020F0502020204030204" pitchFamily="34" charset="0"/>
+                      </a:endParaRPr>
+                    </a:p>
+                  </a:txBody>
+                  <a:tcPr marL="9525" marR="9525" marT="9525" marB="0" anchor="b"/>
+                </a:tc>
+                <a:tc>
+                  <a:txBody>
+                    <a:bodyPr/>
+                    <a:lstStyle/>
+                    <a:p>
+                      <a:pPr algn="l" fontAlgn="b"/>
+                      <a:r>
+                        <a:rPr lang="en-US" sz="1100" b="0" u="none" strike="noStrike" dirty="0">
+                          <a:solidFill>
+                            <a:srgbClr val="305496"/>
+                          </a:solidFill>
+                          <a:effectLst/>
+                        </a:rPr>
+                        <a:t>16.87</a:t>
+                      </a:r>
+                      <a:endParaRPr lang="en-US" sz="1100" b="0" i="0" u="none" strike="noStrike" dirty="0">
+                        <a:solidFill>
+                          <a:srgbClr val="305496"/>
+                        </a:solidFill>
+                        <a:effectLst/>
+                        <a:latin typeface="Calibri" panose="020F0502020204030204" pitchFamily="34" charset="0"/>
+                      </a:endParaRPr>
+                    </a:p>
+                  </a:txBody>
+                  <a:tcPr marL="9525" marR="9525" marT="9525" marB="0" anchor="b"/>
+                </a:tc>
+                <a:extLst>
+                  <a:ext uri="{0D108BD9-81ED-4DB2-BD59-A6C34878D82A}">
+                    <a16:rowId xmlns:a16="http://schemas.microsoft.com/office/drawing/2014/main" val="2331140844"/>
+                  </a:ext>
+                </a:extLst>
+              </a:tr>
+              <a:tr h="217584">
+                <a:tc>
+                  <a:txBody>
+                    <a:bodyPr/>
+                    <a:lstStyle/>
+                    <a:p>
+                      <a:pPr algn="l" fontAlgn="b"/>
+                      <a:r>
+                        <a:rPr lang="en-US" sz="1100" b="0" u="none" strike="noStrike">
+                          <a:solidFill>
+                            <a:srgbClr val="305496"/>
+                          </a:solidFill>
+                          <a:effectLst/>
+                        </a:rPr>
+                        <a:t>MPS (PYTORCH)</a:t>
+                      </a:r>
+                      <a:endParaRPr lang="en-US" sz="1100" b="0" i="0" u="none" strike="noStrike">
+                        <a:solidFill>
+                          <a:srgbClr val="305496"/>
+                        </a:solidFill>
+                        <a:effectLst/>
+                        <a:latin typeface="Calibri" panose="020F0502020204030204" pitchFamily="34" charset="0"/>
+                      </a:endParaRPr>
+                    </a:p>
+                  </a:txBody>
+                  <a:tcPr marL="9525" marR="9525" marT="9525" marB="0" anchor="b"/>
+                </a:tc>
+                <a:tc>
+                  <a:txBody>
+                    <a:bodyPr/>
+                    <a:lstStyle/>
+                    <a:p>
+                      <a:pPr algn="l" fontAlgn="b"/>
+                      <a:r>
+                        <a:rPr lang="en-US" sz="1100" b="0" u="none" strike="noStrike">
+                          <a:solidFill>
+                            <a:srgbClr val="305496"/>
+                          </a:solidFill>
+                          <a:effectLst/>
+                        </a:rPr>
+                        <a:t>9.0544</a:t>
+                      </a:r>
+                      <a:endParaRPr lang="en-US" sz="1100" b="0" i="0" u="none" strike="noStrike">
+                        <a:solidFill>
+                          <a:srgbClr val="305496"/>
+                        </a:solidFill>
+                        <a:effectLst/>
+                        <a:latin typeface="Calibri" panose="020F0502020204030204" pitchFamily="34" charset="0"/>
+                      </a:endParaRPr>
+                    </a:p>
+                  </a:txBody>
+                  <a:tcPr marL="9525" marR="9525" marT="9525" marB="0" anchor="b"/>
+                </a:tc>
+                <a:tc>
+                  <a:txBody>
+                    <a:bodyPr/>
+                    <a:lstStyle/>
+                    <a:p>
+                      <a:pPr algn="l" fontAlgn="b"/>
+                      <a:r>
+                        <a:rPr lang="en-US" sz="1100" b="0" u="none" strike="noStrike">
+                          <a:solidFill>
+                            <a:srgbClr val="305496"/>
+                          </a:solidFill>
+                          <a:effectLst/>
+                        </a:rPr>
+                        <a:t>90.544</a:t>
+                      </a:r>
+                      <a:endParaRPr lang="en-US" sz="1100" b="0" i="0" u="none" strike="noStrike">
+                        <a:solidFill>
+                          <a:srgbClr val="305496"/>
+                        </a:solidFill>
+                        <a:effectLst/>
+                        <a:latin typeface="Calibri" panose="020F0502020204030204" pitchFamily="34" charset="0"/>
+                      </a:endParaRPr>
+                    </a:p>
+                  </a:txBody>
+                  <a:tcPr marL="9525" marR="9525" marT="9525" marB="0" anchor="b"/>
+                </a:tc>
+                <a:tc>
+                  <a:txBody>
+                    <a:bodyPr/>
+                    <a:lstStyle/>
+                    <a:p>
+                      <a:pPr algn="l" fontAlgn="b"/>
+                      <a:r>
+                        <a:rPr lang="en-US" sz="1100" b="0" u="none" strike="noStrike">
+                          <a:solidFill>
+                            <a:srgbClr val="305496"/>
+                          </a:solidFill>
+                          <a:effectLst/>
+                        </a:rPr>
+                        <a:t>6645</a:t>
+                      </a:r>
+                      <a:endParaRPr lang="en-US" sz="1100" b="0" i="0" u="none" strike="noStrike">
+                        <a:solidFill>
+                          <a:srgbClr val="305496"/>
+                        </a:solidFill>
+                        <a:effectLst/>
+                        <a:latin typeface="Calibri" panose="020F0502020204030204" pitchFamily="34" charset="0"/>
+                      </a:endParaRPr>
+                    </a:p>
+                  </a:txBody>
+                  <a:tcPr marL="9525" marR="9525" marT="9525" marB="0" anchor="b"/>
+                </a:tc>
+                <a:tc>
+                  <a:txBody>
+                    <a:bodyPr/>
+                    <a:lstStyle/>
+                    <a:p>
+                      <a:pPr algn="l" fontAlgn="b"/>
+                      <a:r>
+                        <a:rPr lang="en-US" sz="1100" b="0" u="none" strike="noStrike">
+                          <a:solidFill>
+                            <a:srgbClr val="305496"/>
+                          </a:solidFill>
+                          <a:effectLst/>
+                        </a:rPr>
+                        <a:t>97.31</a:t>
+                      </a:r>
+                      <a:endParaRPr lang="en-US" sz="1100" b="0" i="0" u="none" strike="noStrike">
+                        <a:solidFill>
+                          <a:srgbClr val="305496"/>
+                        </a:solidFill>
+                        <a:effectLst/>
+                        <a:latin typeface="Calibri" panose="020F0502020204030204" pitchFamily="34" charset="0"/>
+                      </a:endParaRPr>
+                    </a:p>
+                  </a:txBody>
+                  <a:tcPr marL="9525" marR="9525" marT="9525" marB="0" anchor="b"/>
+                </a:tc>
+                <a:tc>
+                  <a:txBody>
+                    <a:bodyPr/>
+                    <a:lstStyle/>
+                    <a:p>
+                      <a:pPr algn="l" fontAlgn="b"/>
+                      <a:r>
+                        <a:rPr lang="en-US" sz="1100" b="0" u="none" strike="noStrike">
+                          <a:solidFill>
+                            <a:srgbClr val="305496"/>
+                          </a:solidFill>
+                          <a:effectLst/>
+                        </a:rPr>
+                        <a:t>98.5</a:t>
+                      </a:r>
+                      <a:endParaRPr lang="en-US" sz="1100" b="0" i="0" u="none" strike="noStrike">
+                        <a:solidFill>
+                          <a:srgbClr val="305496"/>
+                        </a:solidFill>
+                        <a:effectLst/>
+                        <a:latin typeface="Calibri" panose="020F0502020204030204" pitchFamily="34" charset="0"/>
+                      </a:endParaRPr>
+                    </a:p>
+                  </a:txBody>
+                  <a:tcPr marL="9525" marR="9525" marT="9525" marB="0" anchor="b"/>
+                </a:tc>
+                <a:tc>
+                  <a:txBody>
+                    <a:bodyPr/>
+                    <a:lstStyle/>
+                    <a:p>
+                      <a:pPr algn="l" fontAlgn="b"/>
+                      <a:r>
+                        <a:rPr lang="en-US" sz="1100" b="0" u="none" strike="noStrike">
+                          <a:solidFill>
+                            <a:srgbClr val="305496"/>
+                          </a:solidFill>
+                          <a:effectLst/>
+                        </a:rPr>
+                        <a:t>1188.246</a:t>
+                      </a:r>
+                      <a:endParaRPr lang="en-US" sz="1100" b="0" i="0" u="none" strike="noStrike">
+                        <a:solidFill>
+                          <a:srgbClr val="305496"/>
+                        </a:solidFill>
+                        <a:effectLst/>
+                        <a:latin typeface="Calibri" panose="020F0502020204030204" pitchFamily="34" charset="0"/>
+                      </a:endParaRPr>
+                    </a:p>
+                  </a:txBody>
+                  <a:tcPr marL="9525" marR="9525" marT="9525" marB="0" anchor="b"/>
+                </a:tc>
+                <a:tc>
+                  <a:txBody>
+                    <a:bodyPr/>
+                    <a:lstStyle/>
+                    <a:p>
+                      <a:pPr algn="l" fontAlgn="b"/>
+                      <a:r>
+                        <a:rPr lang="en-US" sz="1100" b="0" u="none" strike="noStrike" dirty="0">
+                          <a:solidFill>
+                            <a:srgbClr val="305496"/>
+                          </a:solidFill>
+                          <a:effectLst/>
+                        </a:rPr>
+                        <a:t>0</a:t>
+                      </a:r>
+                      <a:endParaRPr lang="en-US" sz="1100" b="0" i="0" u="none" strike="noStrike" dirty="0">
+                        <a:solidFill>
+                          <a:srgbClr val="305496"/>
+                        </a:solidFill>
+                        <a:effectLst/>
+                        <a:latin typeface="Calibri" panose="020F0502020204030204" pitchFamily="34" charset="0"/>
+                      </a:endParaRPr>
+                    </a:p>
+                  </a:txBody>
+                  <a:tcPr marL="9525" marR="9525" marT="9525" marB="0" anchor="b"/>
+                </a:tc>
+                <a:extLst>
+                  <a:ext uri="{0D108BD9-81ED-4DB2-BD59-A6C34878D82A}">
+                    <a16:rowId xmlns:a16="http://schemas.microsoft.com/office/drawing/2014/main" val="1027731755"/>
+                  </a:ext>
+                </a:extLst>
+              </a:tr>
+            </a:tbl>
+          </a:graphicData>
+        </a:graphic>
+      </p:graphicFrame>
     </p:spTree>
     <p:extLst>
       <p:ext uri="{BB962C8B-B14F-4D97-AF65-F5344CB8AC3E}">

--- a/Report/Group-6 Final Report.pptx
+++ b/Report/Group-6 Final Report.pptx
@@ -141,10 +141,25 @@
   <pc:docChgLst>
     <pc:chgData name="Deepesh Khanna" userId="bde3672c861fd582" providerId="LiveId" clId="{A549962A-44B1-4661-982C-FD74AE459229}"/>
     <pc:docChg chg="undo redo custSel addSld delSld modSld">
-      <pc:chgData name="Deepesh Khanna" userId="bde3672c861fd582" providerId="LiveId" clId="{A549962A-44B1-4661-982C-FD74AE459229}" dt="2025-05-06T02:44:26.262" v="699" actId="47"/>
+      <pc:chgData name="Deepesh Khanna" userId="bde3672c861fd582" providerId="LiveId" clId="{A549962A-44B1-4661-982C-FD74AE459229}" dt="2025-05-06T02:46:56.239" v="722" actId="20577"/>
       <pc:docMkLst>
         <pc:docMk/>
       </pc:docMkLst>
+      <pc:sldChg chg="modSp mod">
+        <pc:chgData name="Deepesh Khanna" userId="bde3672c861fd582" providerId="LiveId" clId="{A549962A-44B1-4661-982C-FD74AE459229}" dt="2025-05-06T02:46:56.239" v="722" actId="20577"/>
+        <pc:sldMkLst>
+          <pc:docMk/>
+          <pc:sldMk cId="3324887543" sldId="260"/>
+        </pc:sldMkLst>
+        <pc:spChg chg="mod">
+          <ac:chgData name="Deepesh Khanna" userId="bde3672c861fd582" providerId="LiveId" clId="{A549962A-44B1-4661-982C-FD74AE459229}" dt="2025-05-06T02:46:56.239" v="722" actId="20577"/>
+          <ac:spMkLst>
+            <pc:docMk/>
+            <pc:sldMk cId="3324887543" sldId="260"/>
+            <ac:spMk id="3" creationId="{A4B56CED-8719-B45D-8FBC-47B85997BC11}"/>
+          </ac:spMkLst>
+        </pc:spChg>
+      </pc:sldChg>
       <pc:sldChg chg="addSp delSp modSp mod">
         <pc:chgData name="Deepesh Khanna" userId="bde3672c861fd582" providerId="LiveId" clId="{A549962A-44B1-4661-982C-FD74AE459229}" dt="2025-05-06T01:58:36.456" v="51" actId="14100"/>
         <pc:sldMkLst>
@@ -399,6 +414,13 @@
             <ac:spMk id="6" creationId="{A8F8F882-DDDC-632B-750F-5C77C03522AC}"/>
           </ac:spMkLst>
         </pc:spChg>
+      </pc:sldChg>
+      <pc:sldChg chg="new del">
+        <pc:chgData name="Deepesh Khanna" userId="bde3672c861fd582" providerId="LiveId" clId="{A549962A-44B1-4661-982C-FD74AE459229}" dt="2025-05-06T02:46:45.990" v="701" actId="680"/>
+        <pc:sldMkLst>
+          <pc:docMk/>
+          <pc:sldMk cId="2681919656" sldId="274"/>
+        </pc:sldMkLst>
       </pc:sldChg>
     </pc:docChg>
   </pc:docChgLst>
@@ -4154,7 +4176,9 @@
         </p:nvSpPr>
         <p:spPr/>
         <p:txBody>
-          <a:bodyPr/>
+          <a:bodyPr>
+            <a:normAutofit fontScale="85000" lnSpcReduction="20000"/>
+          </a:bodyPr>
           <a:lstStyle/>
           <a:p>
             <a:r>
@@ -4167,6 +4191,21 @@
               <a:rPr lang="en-US" dirty="0"/>
               <a:t>Group – 6</a:t>
             </a:r>
+          </a:p>
+          <a:p>
+            <a:r>
+              <a:rPr lang="en-US" dirty="0" err="1">
+                <a:hlinkClick r:id="rId2"/>
+              </a:rPr>
+              <a:t>Github</a:t>
+            </a:r>
+            <a:r>
+              <a:rPr lang="en-US" dirty="0">
+                <a:hlinkClick r:id="rId2"/>
+              </a:rPr>
+              <a:t> Repo</a:t>
+            </a:r>
+            <a:endParaRPr lang="en-US" dirty="0"/>
           </a:p>
         </p:txBody>
       </p:sp>
